--- a/DsDotNet/src/UnitTest/UnitTest.Model/ImportOfficeExample/ppt/T8_Safety.pptx
+++ b/DsDotNet/src/UnitTest/UnitTest.Model/ImportOfficeExample/ppt/T8_Safety.pptx
@@ -217,7 +217,7 @@
           <a:p>
             <a:fld id="{DD503887-5801-43A0-AEF9-041E8DDC2558}" type="datetimeFigureOut">
               <a:rPr lang="ko-KR" altLang="en-US" smtClean="0"/>
-              <a:t>2023-01-13</a:t>
+              <a:t>2023-09-04</a:t>
             </a:fld>
             <a:endParaRPr lang="ko-KR" altLang="en-US"/>
           </a:p>
@@ -394,7 +394,7 @@
           <a:p>
             <a:fld id="{95336A0E-57B1-4D4C-BD9B-2F72B5943464}" type="datetimeFigureOut">
               <a:rPr lang="ko-KR" altLang="en-US" smtClean="0"/>
-              <a:t>2023-01-13</a:t>
+              <a:t>2023-09-04</a:t>
             </a:fld>
             <a:endParaRPr lang="ko-KR" altLang="en-US"/>
           </a:p>
@@ -756,7 +756,7 @@
           <a:effectLst/>
           <a:extLst>
             <a:ext uri="{91240B29-F687-4f45-9708-019B960494DF}">
-              <a14:hiddenLine xmlns="" xmlns:a14="http://schemas.microsoft.com/office/drawing/2010/main" w="9525">
+              <a14:hiddenLine xmlns:a14="http://schemas.microsoft.com/office/drawing/2010/main" xmlns="" w="9525">
                 <a:solidFill>
                   <a:srgbClr val="000000"/>
                 </a:solidFill>
@@ -948,7 +948,7 @@
           <a:p>
             <a:fld id="{DEA6EBF0-8E22-42A7-9BEA-2AC7066E6498}" type="datetimeFigureOut">
               <a:rPr lang="ko-KR" altLang="en-US" smtClean="0"/>
-              <a:t>2023-01-13</a:t>
+              <a:t>2023-09-04</a:t>
             </a:fld>
             <a:endParaRPr lang="ko-KR" altLang="en-US"/>
           </a:p>
@@ -1266,7 +1266,7 @@
           <a:p>
             <a:fld id="{DEA6EBF0-8E22-42A7-9BEA-2AC7066E6498}" type="datetimeFigureOut">
               <a:rPr lang="ko-KR" altLang="en-US" smtClean="0"/>
-              <a:t>2023-01-13</a:t>
+              <a:t>2023-09-04</a:t>
             </a:fld>
             <a:endParaRPr lang="ko-KR" altLang="en-US"/>
           </a:p>
@@ -1754,7 +1754,7 @@
           <a:p>
             <a:fld id="{DEA6EBF0-8E22-42A7-9BEA-2AC7066E6498}" type="datetimeFigureOut">
               <a:rPr lang="ko-KR" altLang="en-US" smtClean="0"/>
-              <a:t>2023-01-13</a:t>
+              <a:t>2023-09-04</a:t>
             </a:fld>
             <a:endParaRPr lang="ko-KR" altLang="en-US"/>
           </a:p>
@@ -2123,7 +2123,7 @@
           <a:p>
             <a:fld id="{DEA6EBF0-8E22-42A7-9BEA-2AC7066E6498}" type="datetimeFigureOut">
               <a:rPr lang="ko-KR" altLang="en-US" smtClean="0"/>
-              <a:t>2023-01-13</a:t>
+              <a:t>2023-09-04</a:t>
             </a:fld>
             <a:endParaRPr lang="ko-KR" altLang="en-US"/>
           </a:p>
@@ -2278,7 +2278,7 @@
           <a:ln/>
           <a:extLst>
             <a:ext uri="{91240B29-F687-4f45-9708-019B960494DF}">
-              <a14:hiddenLine xmlns="" xmlns:a14="http://schemas.microsoft.com/office/drawing/2010/main" w="9525">
+              <a14:hiddenLine xmlns:a14="http://schemas.microsoft.com/office/drawing/2010/main" xmlns="" w="9525">
                 <a:solidFill>
                   <a:srgbClr val="000000"/>
                 </a:solidFill>
@@ -2396,7 +2396,7 @@
           <a:p>
             <a:fld id="{DEA6EBF0-8E22-42A7-9BEA-2AC7066E6498}" type="datetimeFigureOut">
               <a:rPr lang="ko-KR" altLang="en-US" smtClean="0"/>
-              <a:t>2023-01-13</a:t>
+              <a:t>2023-09-04</a:t>
             </a:fld>
             <a:endParaRPr lang="ko-KR" altLang="en-US"/>
           </a:p>
@@ -2553,7 +2553,7 @@
           <a:ln/>
           <a:extLst>
             <a:ext uri="{91240B29-F687-4f45-9708-019B960494DF}">
-              <a14:hiddenLine xmlns="" xmlns:a14="http://schemas.microsoft.com/office/drawing/2010/main" w="9525">
+              <a14:hiddenLine xmlns:a14="http://schemas.microsoft.com/office/drawing/2010/main" xmlns="" w="9525">
                 <a:solidFill>
                   <a:srgbClr val="000000"/>
                 </a:solidFill>
@@ -2681,7 +2681,7 @@
           <a:p>
             <a:fld id="{DEA6EBF0-8E22-42A7-9BEA-2AC7066E6498}" type="datetimeFigureOut">
               <a:rPr lang="ko-KR" altLang="en-US" smtClean="0"/>
-              <a:t>2023-01-13</a:t>
+              <a:t>2023-09-04</a:t>
             </a:fld>
             <a:endParaRPr lang="ko-KR" altLang="en-US"/>
           </a:p>
@@ -2799,7 +2799,7 @@
           <a:p>
             <a:fld id="{DEA6EBF0-8E22-42A7-9BEA-2AC7066E6498}" type="datetimeFigureOut">
               <a:rPr lang="ko-KR" altLang="en-US" smtClean="0"/>
-              <a:t>2023-01-13</a:t>
+              <a:t>2023-09-04</a:t>
             </a:fld>
             <a:endParaRPr lang="ko-KR" altLang="en-US"/>
           </a:p>
@@ -2954,7 +2954,7 @@
           <a:ln/>
           <a:extLst>
             <a:ext uri="{91240B29-F687-4f45-9708-019B960494DF}">
-              <a14:hiddenLine xmlns="" xmlns:a14="http://schemas.microsoft.com/office/drawing/2010/main" w="9525">
+              <a14:hiddenLine xmlns:a14="http://schemas.microsoft.com/office/drawing/2010/main" xmlns="" w="9525">
                 <a:solidFill>
                   <a:srgbClr val="000000"/>
                 </a:solidFill>
@@ -3082,7 +3082,7 @@
           <a:p>
             <a:fld id="{DEA6EBF0-8E22-42A7-9BEA-2AC7066E6498}" type="datetimeFigureOut">
               <a:rPr lang="ko-KR" altLang="en-US" smtClean="0"/>
-              <a:t>2023-01-13</a:t>
+              <a:t>2023-09-04</a:t>
             </a:fld>
             <a:endParaRPr lang="ko-KR" altLang="en-US"/>
           </a:p>
@@ -3425,7 +3425,7 @@
           <a:p>
             <a:fld id="{DEA6EBF0-8E22-42A7-9BEA-2AC7066E6498}" type="datetimeFigureOut">
               <a:rPr lang="ko-KR" altLang="en-US" smtClean="0"/>
-              <a:t>2023-01-13</a:t>
+              <a:t>2023-09-04</a:t>
             </a:fld>
             <a:endParaRPr lang="ko-KR" altLang="en-US"/>
           </a:p>
@@ -3580,7 +3580,7 @@
           <a:ln/>
           <a:extLst>
             <a:ext uri="{91240B29-F687-4f45-9708-019B960494DF}">
-              <a14:hiddenLine xmlns="" xmlns:a14="http://schemas.microsoft.com/office/drawing/2010/main" w="9525">
+              <a14:hiddenLine xmlns:a14="http://schemas.microsoft.com/office/drawing/2010/main" xmlns="" w="9525">
                 <a:solidFill>
                   <a:srgbClr val="000000"/>
                 </a:solidFill>
@@ -3764,7 +3764,7 @@
           <a:p>
             <a:fld id="{DEA6EBF0-8E22-42A7-9BEA-2AC7066E6498}" type="datetimeFigureOut">
               <a:rPr lang="ko-KR" altLang="en-US" smtClean="0"/>
-              <a:t>2023-01-13</a:t>
+              <a:t>2023-09-04</a:t>
             </a:fld>
             <a:endParaRPr lang="ko-KR" altLang="en-US"/>
           </a:p>
@@ -3919,7 +3919,7 @@
           <a:ln/>
           <a:extLst>
             <a:ext uri="{91240B29-F687-4f45-9708-019B960494DF}">
-              <a14:hiddenLine xmlns="" xmlns:a14="http://schemas.microsoft.com/office/drawing/2010/main" w="9525">
+              <a14:hiddenLine xmlns:a14="http://schemas.microsoft.com/office/drawing/2010/main" xmlns="" w="9525">
                 <a:solidFill>
                   <a:srgbClr val="000000"/>
                 </a:solidFill>
@@ -4241,7 +4241,7 @@
           <a:p>
             <a:fld id="{DEA6EBF0-8E22-42A7-9BEA-2AC7066E6498}" type="datetimeFigureOut">
               <a:rPr lang="ko-KR" altLang="en-US" smtClean="0"/>
-              <a:t>2023-01-13</a:t>
+              <a:t>2023-09-04</a:t>
             </a:fld>
             <a:endParaRPr lang="ko-KR" altLang="en-US"/>
           </a:p>
@@ -4336,7 +4336,7 @@
           <a:p>
             <a:fld id="{DEA6EBF0-8E22-42A7-9BEA-2AC7066E6498}" type="datetimeFigureOut">
               <a:rPr lang="ko-KR" altLang="en-US" smtClean="0"/>
-              <a:t>2023-01-13</a:t>
+              <a:t>2023-09-04</a:t>
             </a:fld>
             <a:endParaRPr lang="ko-KR" altLang="en-US"/>
           </a:p>
@@ -4604,7 +4604,7 @@
           <a:ln/>
           <a:extLst>
             <a:ext uri="{91240B29-F687-4f45-9708-019B960494DF}">
-              <a14:hiddenLine xmlns="" xmlns:a14="http://schemas.microsoft.com/office/drawing/2010/main" w="9525">
+              <a14:hiddenLine xmlns:a14="http://schemas.microsoft.com/office/drawing/2010/main" xmlns="" w="9525">
                 <a:solidFill>
                   <a:srgbClr val="000000"/>
                 </a:solidFill>
@@ -4803,7 +4803,7 @@
           <a:p>
             <a:fld id="{DEA6EBF0-8E22-42A7-9BEA-2AC7066E6498}" type="datetimeFigureOut">
               <a:rPr lang="ko-KR" altLang="en-US" smtClean="0"/>
-              <a:t>2023-01-13</a:t>
+              <a:t>2023-09-04</a:t>
             </a:fld>
             <a:endParaRPr lang="ko-KR" altLang="en-US"/>
           </a:p>
@@ -5116,7 +5116,7 @@
           <a:p>
             <a:fld id="{DEA6EBF0-8E22-42A7-9BEA-2AC7066E6498}" type="datetimeFigureOut">
               <a:rPr lang="ko-KR" altLang="en-US" smtClean="0"/>
-              <a:t>2023-01-13</a:t>
+              <a:t>2023-09-04</a:t>
             </a:fld>
             <a:endParaRPr lang="ko-KR" altLang="en-US"/>
           </a:p>
@@ -5386,7 +5386,7 @@
           <a:p>
             <a:fld id="{DEA6EBF0-8E22-42A7-9BEA-2AC7066E6498}" type="datetimeFigureOut">
               <a:rPr lang="ko-KR" altLang="en-US" smtClean="0"/>
-              <a:t>2023-01-13</a:t>
+              <a:t>2023-09-04</a:t>
             </a:fld>
             <a:endParaRPr lang="ko-KR" altLang="en-US"/>
           </a:p>
@@ -7492,25 +7492,13 @@
           <a:p>
             <a:pPr algn="ctr"/>
             <a:r>
+              <a:rPr lang="en-US" altLang="ko-KR"/>
+              <a:t>Lib</a:t>
+            </a:r>
+            <a:r>
               <a:rPr lang="en-US" altLang="ko-KR" dirty="0"/>
-              <a:t>../Sample</a:t>
-            </a:r>
-          </a:p>
-          <a:p>
-            <a:pPr algn="ctr"/>
-            <a:r>
-              <a:rPr lang="en-US" altLang="ko-KR"/>
-              <a:t>/</a:t>
-            </a:r>
-            <a:r>
-              <a:rPr lang="en-US" altLang="ko-KR" dirty="0"/>
-              <a:t>Lib</a:t>
-            </a:r>
-            <a:r>
-              <a:rPr lang="en-US" altLang="ko-KR"/>
               <a:t>/tester</a:t>
             </a:r>
-            <a:endParaRPr lang="en-US" altLang="ko-KR" dirty="0"/>
           </a:p>
           <a:p>
             <a:pPr algn="ctr"/>

--- a/DsDotNet/src/UnitTest/UnitTest.Model/ImportOfficeExample/ppt/T8_Safety.pptx
+++ b/DsDotNet/src/UnitTest/UnitTest.Model/ImportOfficeExample/ppt/T8_Safety.pptx
@@ -217,7 +217,7 @@
           <a:p>
             <a:fld id="{DD503887-5801-43A0-AEF9-041E8DDC2558}" type="datetimeFigureOut">
               <a:rPr lang="ko-KR" altLang="en-US" smtClean="0"/>
-              <a:t>2023-09-04</a:t>
+              <a:t>2023-11-05</a:t>
             </a:fld>
             <a:endParaRPr lang="ko-KR" altLang="en-US"/>
           </a:p>
@@ -394,7 +394,7 @@
           <a:p>
             <a:fld id="{95336A0E-57B1-4D4C-BD9B-2F72B5943464}" type="datetimeFigureOut">
               <a:rPr lang="ko-KR" altLang="en-US" smtClean="0"/>
-              <a:t>2023-09-04</a:t>
+              <a:t>2023-11-05</a:t>
             </a:fld>
             <a:endParaRPr lang="ko-KR" altLang="en-US"/>
           </a:p>
@@ -756,7 +756,7 @@
           <a:effectLst/>
           <a:extLst>
             <a:ext uri="{91240B29-F687-4f45-9708-019B960494DF}">
-              <a14:hiddenLine xmlns:a14="http://schemas.microsoft.com/office/drawing/2010/main" xmlns="" w="9525">
+              <a14:hiddenLine xmlns="" xmlns:a14="http://schemas.microsoft.com/office/drawing/2010/main" w="9525">
                 <a:solidFill>
                   <a:srgbClr val="000000"/>
                 </a:solidFill>
@@ -948,7 +948,7 @@
           <a:p>
             <a:fld id="{DEA6EBF0-8E22-42A7-9BEA-2AC7066E6498}" type="datetimeFigureOut">
               <a:rPr lang="ko-KR" altLang="en-US" smtClean="0"/>
-              <a:t>2023-09-04</a:t>
+              <a:t>2023-11-05</a:t>
             </a:fld>
             <a:endParaRPr lang="ko-KR" altLang="en-US"/>
           </a:p>
@@ -1266,7 +1266,7 @@
           <a:p>
             <a:fld id="{DEA6EBF0-8E22-42A7-9BEA-2AC7066E6498}" type="datetimeFigureOut">
               <a:rPr lang="ko-KR" altLang="en-US" smtClean="0"/>
-              <a:t>2023-09-04</a:t>
+              <a:t>2023-11-05</a:t>
             </a:fld>
             <a:endParaRPr lang="ko-KR" altLang="en-US"/>
           </a:p>
@@ -1754,7 +1754,7 @@
           <a:p>
             <a:fld id="{DEA6EBF0-8E22-42A7-9BEA-2AC7066E6498}" type="datetimeFigureOut">
               <a:rPr lang="ko-KR" altLang="en-US" smtClean="0"/>
-              <a:t>2023-09-04</a:t>
+              <a:t>2023-11-05</a:t>
             </a:fld>
             <a:endParaRPr lang="ko-KR" altLang="en-US"/>
           </a:p>
@@ -2123,7 +2123,7 @@
           <a:p>
             <a:fld id="{DEA6EBF0-8E22-42A7-9BEA-2AC7066E6498}" type="datetimeFigureOut">
               <a:rPr lang="ko-KR" altLang="en-US" smtClean="0"/>
-              <a:t>2023-09-04</a:t>
+              <a:t>2023-11-05</a:t>
             </a:fld>
             <a:endParaRPr lang="ko-KR" altLang="en-US"/>
           </a:p>
@@ -2278,7 +2278,7 @@
           <a:ln/>
           <a:extLst>
             <a:ext uri="{91240B29-F687-4f45-9708-019B960494DF}">
-              <a14:hiddenLine xmlns:a14="http://schemas.microsoft.com/office/drawing/2010/main" xmlns="" w="9525">
+              <a14:hiddenLine xmlns="" xmlns:a14="http://schemas.microsoft.com/office/drawing/2010/main" w="9525">
                 <a:solidFill>
                   <a:srgbClr val="000000"/>
                 </a:solidFill>
@@ -2396,7 +2396,7 @@
           <a:p>
             <a:fld id="{DEA6EBF0-8E22-42A7-9BEA-2AC7066E6498}" type="datetimeFigureOut">
               <a:rPr lang="ko-KR" altLang="en-US" smtClean="0"/>
-              <a:t>2023-09-04</a:t>
+              <a:t>2023-11-05</a:t>
             </a:fld>
             <a:endParaRPr lang="ko-KR" altLang="en-US"/>
           </a:p>
@@ -2553,7 +2553,7 @@
           <a:ln/>
           <a:extLst>
             <a:ext uri="{91240B29-F687-4f45-9708-019B960494DF}">
-              <a14:hiddenLine xmlns:a14="http://schemas.microsoft.com/office/drawing/2010/main" xmlns="" w="9525">
+              <a14:hiddenLine xmlns="" xmlns:a14="http://schemas.microsoft.com/office/drawing/2010/main" w="9525">
                 <a:solidFill>
                   <a:srgbClr val="000000"/>
                 </a:solidFill>
@@ -2681,7 +2681,7 @@
           <a:p>
             <a:fld id="{DEA6EBF0-8E22-42A7-9BEA-2AC7066E6498}" type="datetimeFigureOut">
               <a:rPr lang="ko-KR" altLang="en-US" smtClean="0"/>
-              <a:t>2023-09-04</a:t>
+              <a:t>2023-11-05</a:t>
             </a:fld>
             <a:endParaRPr lang="ko-KR" altLang="en-US"/>
           </a:p>
@@ -2799,7 +2799,7 @@
           <a:p>
             <a:fld id="{DEA6EBF0-8E22-42A7-9BEA-2AC7066E6498}" type="datetimeFigureOut">
               <a:rPr lang="ko-KR" altLang="en-US" smtClean="0"/>
-              <a:t>2023-09-04</a:t>
+              <a:t>2023-11-05</a:t>
             </a:fld>
             <a:endParaRPr lang="ko-KR" altLang="en-US"/>
           </a:p>
@@ -2954,7 +2954,7 @@
           <a:ln/>
           <a:extLst>
             <a:ext uri="{91240B29-F687-4f45-9708-019B960494DF}">
-              <a14:hiddenLine xmlns:a14="http://schemas.microsoft.com/office/drawing/2010/main" xmlns="" w="9525">
+              <a14:hiddenLine xmlns="" xmlns:a14="http://schemas.microsoft.com/office/drawing/2010/main" w="9525">
                 <a:solidFill>
                   <a:srgbClr val="000000"/>
                 </a:solidFill>
@@ -3082,7 +3082,7 @@
           <a:p>
             <a:fld id="{DEA6EBF0-8E22-42A7-9BEA-2AC7066E6498}" type="datetimeFigureOut">
               <a:rPr lang="ko-KR" altLang="en-US" smtClean="0"/>
-              <a:t>2023-09-04</a:t>
+              <a:t>2023-11-05</a:t>
             </a:fld>
             <a:endParaRPr lang="ko-KR" altLang="en-US"/>
           </a:p>
@@ -3425,7 +3425,7 @@
           <a:p>
             <a:fld id="{DEA6EBF0-8E22-42A7-9BEA-2AC7066E6498}" type="datetimeFigureOut">
               <a:rPr lang="ko-KR" altLang="en-US" smtClean="0"/>
-              <a:t>2023-09-04</a:t>
+              <a:t>2023-11-05</a:t>
             </a:fld>
             <a:endParaRPr lang="ko-KR" altLang="en-US"/>
           </a:p>
@@ -3580,7 +3580,7 @@
           <a:ln/>
           <a:extLst>
             <a:ext uri="{91240B29-F687-4f45-9708-019B960494DF}">
-              <a14:hiddenLine xmlns:a14="http://schemas.microsoft.com/office/drawing/2010/main" xmlns="" w="9525">
+              <a14:hiddenLine xmlns="" xmlns:a14="http://schemas.microsoft.com/office/drawing/2010/main" w="9525">
                 <a:solidFill>
                   <a:srgbClr val="000000"/>
                 </a:solidFill>
@@ -3764,7 +3764,7 @@
           <a:p>
             <a:fld id="{DEA6EBF0-8E22-42A7-9BEA-2AC7066E6498}" type="datetimeFigureOut">
               <a:rPr lang="ko-KR" altLang="en-US" smtClean="0"/>
-              <a:t>2023-09-04</a:t>
+              <a:t>2023-11-05</a:t>
             </a:fld>
             <a:endParaRPr lang="ko-KR" altLang="en-US"/>
           </a:p>
@@ -3919,7 +3919,7 @@
           <a:ln/>
           <a:extLst>
             <a:ext uri="{91240B29-F687-4f45-9708-019B960494DF}">
-              <a14:hiddenLine xmlns:a14="http://schemas.microsoft.com/office/drawing/2010/main" xmlns="" w="9525">
+              <a14:hiddenLine xmlns="" xmlns:a14="http://schemas.microsoft.com/office/drawing/2010/main" w="9525">
                 <a:solidFill>
                   <a:srgbClr val="000000"/>
                 </a:solidFill>
@@ -4241,7 +4241,7 @@
           <a:p>
             <a:fld id="{DEA6EBF0-8E22-42A7-9BEA-2AC7066E6498}" type="datetimeFigureOut">
               <a:rPr lang="ko-KR" altLang="en-US" smtClean="0"/>
-              <a:t>2023-09-04</a:t>
+              <a:t>2023-11-05</a:t>
             </a:fld>
             <a:endParaRPr lang="ko-KR" altLang="en-US"/>
           </a:p>
@@ -4336,7 +4336,7 @@
           <a:p>
             <a:fld id="{DEA6EBF0-8E22-42A7-9BEA-2AC7066E6498}" type="datetimeFigureOut">
               <a:rPr lang="ko-KR" altLang="en-US" smtClean="0"/>
-              <a:t>2023-09-04</a:t>
+              <a:t>2023-11-05</a:t>
             </a:fld>
             <a:endParaRPr lang="ko-KR" altLang="en-US"/>
           </a:p>
@@ -4604,7 +4604,7 @@
           <a:ln/>
           <a:extLst>
             <a:ext uri="{91240B29-F687-4f45-9708-019B960494DF}">
-              <a14:hiddenLine xmlns:a14="http://schemas.microsoft.com/office/drawing/2010/main" xmlns="" w="9525">
+              <a14:hiddenLine xmlns="" xmlns:a14="http://schemas.microsoft.com/office/drawing/2010/main" w="9525">
                 <a:solidFill>
                   <a:srgbClr val="000000"/>
                 </a:solidFill>
@@ -4803,7 +4803,7 @@
           <a:p>
             <a:fld id="{DEA6EBF0-8E22-42A7-9BEA-2AC7066E6498}" type="datetimeFigureOut">
               <a:rPr lang="ko-KR" altLang="en-US" smtClean="0"/>
-              <a:t>2023-09-04</a:t>
+              <a:t>2023-11-05</a:t>
             </a:fld>
             <a:endParaRPr lang="ko-KR" altLang="en-US"/>
           </a:p>
@@ -5116,7 +5116,7 @@
           <a:p>
             <a:fld id="{DEA6EBF0-8E22-42A7-9BEA-2AC7066E6498}" type="datetimeFigureOut">
               <a:rPr lang="ko-KR" altLang="en-US" smtClean="0"/>
-              <a:t>2023-09-04</a:t>
+              <a:t>2023-11-05</a:t>
             </a:fld>
             <a:endParaRPr lang="ko-KR" altLang="en-US"/>
           </a:p>
@@ -5386,7 +5386,7 @@
           <a:p>
             <a:fld id="{DEA6EBF0-8E22-42A7-9BEA-2AC7066E6498}" type="datetimeFigureOut">
               <a:rPr lang="ko-KR" altLang="en-US" smtClean="0"/>
-              <a:t>2023-09-04</a:t>
+              <a:t>2023-11-05</a:t>
             </a:fld>
             <a:endParaRPr lang="ko-KR" altLang="en-US"/>
           </a:p>
@@ -5936,7 +5936,7 @@
 </file>
 
 <file path=ppt/slides/slide2.xml><?xml version="1.0" encoding="utf-8"?>
-<p:sld xmlns:a="http://schemas.openxmlformats.org/drawingml/2006/main" xmlns:r="http://schemas.openxmlformats.org/officeDocument/2006/relationships" xmlns:p="http://schemas.openxmlformats.org/presentationml/2006/main">
+<p:sld xmlns:a="http://schemas.openxmlformats.org/drawingml/2006/main" xmlns:r="http://schemas.openxmlformats.org/officeDocument/2006/relationships" xmlns:p="http://schemas.openxmlformats.org/presentationml/2006/main" show="0">
   <p:cSld>
     <p:spTree>
       <p:nvGrpSpPr>
@@ -5975,7 +5975,7 @@
           <a:p>
             <a:r>
               <a:rPr lang="en-US" altLang="ko-KR" dirty="0"/>
-              <a:t>$SystemA</a:t>
+              <a:t>SystemA</a:t>
             </a:r>
             <a:endParaRPr lang="ko-KR" altLang="en-US" dirty="0"/>
           </a:p>
@@ -6969,6 +6969,59 @@
           </a:p>
         </p:txBody>
       </p:sp>
+      <p:sp>
+        <p:nvSpPr>
+          <p:cNvPr id="9" name="직사각형 8">
+            <a:extLst>
+              <a:ext uri="{FF2B5EF4-FFF2-40B4-BE49-F238E27FC236}">
+                <a16:creationId xmlns:a16="http://schemas.microsoft.com/office/drawing/2014/main" id="{65FC1B06-CCD3-9858-67ED-B0A6DADE0099}"/>
+              </a:ext>
+            </a:extLst>
+          </p:cNvPr>
+          <p:cNvSpPr/>
+          <p:nvPr/>
+        </p:nvSpPr>
+        <p:spPr>
+          <a:xfrm>
+            <a:off x="2491991" y="1627833"/>
+            <a:ext cx="7918101" cy="4511809"/>
+          </a:xfrm>
+          <a:prstGeom prst="rect">
+            <a:avLst/>
+          </a:prstGeom>
+        </p:spPr>
+        <p:style>
+          <a:lnRef idx="2">
+            <a:schemeClr val="accent1">
+              <a:shade val="15000"/>
+            </a:schemeClr>
+          </a:lnRef>
+          <a:fillRef idx="1">
+            <a:schemeClr val="accent1"/>
+          </a:fillRef>
+          <a:effectRef idx="0">
+            <a:schemeClr val="accent1"/>
+          </a:effectRef>
+          <a:fontRef idx="minor">
+            <a:schemeClr val="lt1"/>
+          </a:fontRef>
+        </p:style>
+        <p:txBody>
+          <a:bodyPr rtlCol="0" anchor="ctr"/>
+          <a:lstStyle/>
+          <a:p>
+            <a:pPr algn="ctr"/>
+            <a:r>
+              <a:rPr lang="en-US" altLang="ko-KR" dirty="0"/>
+              <a:t>Satiety Job</a:t>
+            </a:r>
+            <a:r>
+              <a:rPr lang="ko-KR" altLang="en-US" dirty="0"/>
+              <a:t>만 적용</a:t>
+            </a:r>
+          </a:p>
+        </p:txBody>
+      </p:sp>
     </p:spTree>
     <p:extLst>
       <p:ext uri="{BB962C8B-B14F-4D97-AF65-F5344CB8AC3E}">
@@ -7153,6 +7206,70 @@
             <a:chExt cx="5724526" cy="3590925"/>
           </a:xfrm>
         </p:grpSpPr>
+        <p:sp>
+          <p:nvSpPr>
+            <p:cNvPr id="7" name="직사각형 6">
+              <a:extLst>
+                <a:ext uri="{FF2B5EF4-FFF2-40B4-BE49-F238E27FC236}">
+                  <a16:creationId xmlns:a16="http://schemas.microsoft.com/office/drawing/2014/main" id="{ABDB84CF-3826-2164-6107-3FAF7AEB955A}"/>
+                </a:ext>
+              </a:extLst>
+            </p:cNvPr>
+            <p:cNvSpPr/>
+            <p:nvPr/>
+          </p:nvSpPr>
+          <p:spPr>
+            <a:xfrm>
+              <a:off x="848416" y="1962150"/>
+              <a:ext cx="5724526" cy="3590925"/>
+            </a:xfrm>
+            <a:prstGeom prst="rect">
+              <a:avLst/>
+            </a:prstGeom>
+            <a:solidFill>
+              <a:schemeClr val="accent4">
+                <a:alpha val="50000"/>
+              </a:schemeClr>
+            </a:solidFill>
+            <a:ln>
+              <a:noFill/>
+            </a:ln>
+          </p:spPr>
+          <p:style>
+            <a:lnRef idx="0">
+              <a:scrgbClr r="0" g="0" b="0"/>
+            </a:lnRef>
+            <a:fillRef idx="0">
+              <a:scrgbClr r="0" g="0" b="0"/>
+            </a:fillRef>
+            <a:effectRef idx="0">
+              <a:scrgbClr r="0" g="0" b="0"/>
+            </a:effectRef>
+            <a:fontRef idx="minor">
+              <a:schemeClr val="lt1"/>
+            </a:fontRef>
+          </p:style>
+          <p:txBody>
+            <a:bodyPr rtlCol="0" anchor="t"/>
+            <a:lstStyle/>
+            <a:p>
+              <a:pPr algn="ctr"/>
+              <a:r>
+                <a:rPr lang="en-US" altLang="ko-KR" sz="2800" dirty="0">
+                  <a:solidFill>
+                    <a:schemeClr val="tx1"/>
+                  </a:solidFill>
+                </a:rPr>
+                <a:t>R1</a:t>
+              </a:r>
+              <a:endParaRPr lang="ko-KR" altLang="en-US" sz="1200" dirty="0">
+                <a:solidFill>
+                  <a:schemeClr val="tx1"/>
+                </a:solidFill>
+              </a:endParaRPr>
+            </a:p>
+          </p:txBody>
+        </p:sp>
         <p:grpSp>
           <p:nvGrpSpPr>
             <p:cNvPr id="3" name="그룹 2">
@@ -7230,7 +7347,7 @@
                 <a:pPr algn="ctr"/>
                 <a:r>
                   <a:rPr lang="en-US" altLang="ko-KR" dirty="0"/>
-                  <a:t>$Func1</a:t>
+                  <a:t>.Func1</a:t>
                 </a:r>
                 <a:endParaRPr lang="ko-KR" altLang="en-US" dirty="0"/>
               </a:p>
@@ -7286,14 +7403,14 @@
                 <a:pPr algn="ctr"/>
                 <a:r>
                   <a:rPr lang="en-US" altLang="ko-KR" sz="2000" dirty="0"/>
-                  <a:t>[SysB$Func1]</a:t>
+                  <a:t>[SysB.Func1]</a:t>
                 </a:r>
               </a:p>
               <a:p>
                 <a:pPr algn="ctr"/>
                 <a:r>
                   <a:rPr lang="en-US" altLang="ko-KR" sz="2000" dirty="0"/>
-                  <a:t>SysB$Func2</a:t>
+                  <a:t>SysB.Func2</a:t>
                 </a:r>
                 <a:endParaRPr lang="ko-KR" altLang="en-US" sz="2000" dirty="0"/>
               </a:p>
@@ -7343,70 +7460,6 @@
             </p:style>
           </p:cxnSp>
         </p:grpSp>
-        <p:sp>
-          <p:nvSpPr>
-            <p:cNvPr id="7" name="직사각형 6">
-              <a:extLst>
-                <a:ext uri="{FF2B5EF4-FFF2-40B4-BE49-F238E27FC236}">
-                  <a16:creationId xmlns:a16="http://schemas.microsoft.com/office/drawing/2014/main" id="{ABDB84CF-3826-2164-6107-3FAF7AEB955A}"/>
-                </a:ext>
-              </a:extLst>
-            </p:cNvPr>
-            <p:cNvSpPr/>
-            <p:nvPr/>
-          </p:nvSpPr>
-          <p:spPr>
-            <a:xfrm>
-              <a:off x="848416" y="1962150"/>
-              <a:ext cx="5724526" cy="3590925"/>
-            </a:xfrm>
-            <a:prstGeom prst="rect">
-              <a:avLst/>
-            </a:prstGeom>
-            <a:solidFill>
-              <a:schemeClr val="accent4">
-                <a:alpha val="50000"/>
-              </a:schemeClr>
-            </a:solidFill>
-            <a:ln>
-              <a:noFill/>
-            </a:ln>
-          </p:spPr>
-          <p:style>
-            <a:lnRef idx="0">
-              <a:scrgbClr r="0" g="0" b="0"/>
-            </a:lnRef>
-            <a:fillRef idx="0">
-              <a:scrgbClr r="0" g="0" b="0"/>
-            </a:fillRef>
-            <a:effectRef idx="0">
-              <a:scrgbClr r="0" g="0" b="0"/>
-            </a:effectRef>
-            <a:fontRef idx="minor">
-              <a:schemeClr val="lt1"/>
-            </a:fontRef>
-          </p:style>
-          <p:txBody>
-            <a:bodyPr rtlCol="0" anchor="t"/>
-            <a:lstStyle/>
-            <a:p>
-              <a:pPr algn="ctr"/>
-              <a:r>
-                <a:rPr lang="en-US" altLang="ko-KR" sz="2800" dirty="0">
-                  <a:solidFill>
-                    <a:schemeClr val="tx1"/>
-                  </a:solidFill>
-                </a:rPr>
-                <a:t>R1</a:t>
-              </a:r>
-              <a:endParaRPr lang="ko-KR" altLang="en-US" sz="1200" dirty="0">
-                <a:solidFill>
-                  <a:schemeClr val="tx1"/>
-                </a:solidFill>
-              </a:endParaRPr>
-            </a:p>
-          </p:txBody>
-        </p:sp>
       </p:grpSp>
       <p:sp>
         <p:nvSpPr>

--- a/DsDotNet/src/UnitTest/UnitTest.Model/ImportOfficeExample/ppt/T8_Safety.pptx
+++ b/DsDotNet/src/UnitTest/UnitTest.Model/ImportOfficeExample/ppt/T8_Safety.pptx
@@ -217,7 +217,7 @@
           <a:p>
             <a:fld id="{DD503887-5801-43A0-AEF9-041E8DDC2558}" type="datetimeFigureOut">
               <a:rPr lang="ko-KR" altLang="en-US" smtClean="0"/>
-              <a:t>2023-11-05</a:t>
+              <a:t>2023-11-12</a:t>
             </a:fld>
             <a:endParaRPr lang="ko-KR" altLang="en-US"/>
           </a:p>
@@ -394,7 +394,7 @@
           <a:p>
             <a:fld id="{95336A0E-57B1-4D4C-BD9B-2F72B5943464}" type="datetimeFigureOut">
               <a:rPr lang="ko-KR" altLang="en-US" smtClean="0"/>
-              <a:t>2023-11-05</a:t>
+              <a:t>2023-11-12</a:t>
             </a:fld>
             <a:endParaRPr lang="ko-KR" altLang="en-US"/>
           </a:p>
@@ -756,7 +756,7 @@
           <a:effectLst/>
           <a:extLst>
             <a:ext uri="{91240B29-F687-4f45-9708-019B960494DF}">
-              <a14:hiddenLine xmlns="" xmlns:a14="http://schemas.microsoft.com/office/drawing/2010/main" w="9525">
+              <a14:hiddenLine xmlns:a14="http://schemas.microsoft.com/office/drawing/2010/main" xmlns="" w="9525">
                 <a:solidFill>
                   <a:srgbClr val="000000"/>
                 </a:solidFill>
@@ -948,7 +948,7 @@
           <a:p>
             <a:fld id="{DEA6EBF0-8E22-42A7-9BEA-2AC7066E6498}" type="datetimeFigureOut">
               <a:rPr lang="ko-KR" altLang="en-US" smtClean="0"/>
-              <a:t>2023-11-05</a:t>
+              <a:t>2023-11-12</a:t>
             </a:fld>
             <a:endParaRPr lang="ko-KR" altLang="en-US"/>
           </a:p>
@@ -1266,7 +1266,7 @@
           <a:p>
             <a:fld id="{DEA6EBF0-8E22-42A7-9BEA-2AC7066E6498}" type="datetimeFigureOut">
               <a:rPr lang="ko-KR" altLang="en-US" smtClean="0"/>
-              <a:t>2023-11-05</a:t>
+              <a:t>2023-11-12</a:t>
             </a:fld>
             <a:endParaRPr lang="ko-KR" altLang="en-US"/>
           </a:p>
@@ -1754,7 +1754,7 @@
           <a:p>
             <a:fld id="{DEA6EBF0-8E22-42A7-9BEA-2AC7066E6498}" type="datetimeFigureOut">
               <a:rPr lang="ko-KR" altLang="en-US" smtClean="0"/>
-              <a:t>2023-11-05</a:t>
+              <a:t>2023-11-12</a:t>
             </a:fld>
             <a:endParaRPr lang="ko-KR" altLang="en-US"/>
           </a:p>
@@ -2123,7 +2123,7 @@
           <a:p>
             <a:fld id="{DEA6EBF0-8E22-42A7-9BEA-2AC7066E6498}" type="datetimeFigureOut">
               <a:rPr lang="ko-KR" altLang="en-US" smtClean="0"/>
-              <a:t>2023-11-05</a:t>
+              <a:t>2023-11-12</a:t>
             </a:fld>
             <a:endParaRPr lang="ko-KR" altLang="en-US"/>
           </a:p>
@@ -2278,7 +2278,7 @@
           <a:ln/>
           <a:extLst>
             <a:ext uri="{91240B29-F687-4f45-9708-019B960494DF}">
-              <a14:hiddenLine xmlns="" xmlns:a14="http://schemas.microsoft.com/office/drawing/2010/main" w="9525">
+              <a14:hiddenLine xmlns:a14="http://schemas.microsoft.com/office/drawing/2010/main" xmlns="" w="9525">
                 <a:solidFill>
                   <a:srgbClr val="000000"/>
                 </a:solidFill>
@@ -2396,7 +2396,7 @@
           <a:p>
             <a:fld id="{DEA6EBF0-8E22-42A7-9BEA-2AC7066E6498}" type="datetimeFigureOut">
               <a:rPr lang="ko-KR" altLang="en-US" smtClean="0"/>
-              <a:t>2023-11-05</a:t>
+              <a:t>2023-11-12</a:t>
             </a:fld>
             <a:endParaRPr lang="ko-KR" altLang="en-US"/>
           </a:p>
@@ -2553,7 +2553,7 @@
           <a:ln/>
           <a:extLst>
             <a:ext uri="{91240B29-F687-4f45-9708-019B960494DF}">
-              <a14:hiddenLine xmlns="" xmlns:a14="http://schemas.microsoft.com/office/drawing/2010/main" w="9525">
+              <a14:hiddenLine xmlns:a14="http://schemas.microsoft.com/office/drawing/2010/main" xmlns="" w="9525">
                 <a:solidFill>
                   <a:srgbClr val="000000"/>
                 </a:solidFill>
@@ -2681,7 +2681,7 @@
           <a:p>
             <a:fld id="{DEA6EBF0-8E22-42A7-9BEA-2AC7066E6498}" type="datetimeFigureOut">
               <a:rPr lang="ko-KR" altLang="en-US" smtClean="0"/>
-              <a:t>2023-11-05</a:t>
+              <a:t>2023-11-12</a:t>
             </a:fld>
             <a:endParaRPr lang="ko-KR" altLang="en-US"/>
           </a:p>
@@ -2799,7 +2799,7 @@
           <a:p>
             <a:fld id="{DEA6EBF0-8E22-42A7-9BEA-2AC7066E6498}" type="datetimeFigureOut">
               <a:rPr lang="ko-KR" altLang="en-US" smtClean="0"/>
-              <a:t>2023-11-05</a:t>
+              <a:t>2023-11-12</a:t>
             </a:fld>
             <a:endParaRPr lang="ko-KR" altLang="en-US"/>
           </a:p>
@@ -2954,7 +2954,7 @@
           <a:ln/>
           <a:extLst>
             <a:ext uri="{91240B29-F687-4f45-9708-019B960494DF}">
-              <a14:hiddenLine xmlns="" xmlns:a14="http://schemas.microsoft.com/office/drawing/2010/main" w="9525">
+              <a14:hiddenLine xmlns:a14="http://schemas.microsoft.com/office/drawing/2010/main" xmlns="" w="9525">
                 <a:solidFill>
                   <a:srgbClr val="000000"/>
                 </a:solidFill>
@@ -3082,7 +3082,7 @@
           <a:p>
             <a:fld id="{DEA6EBF0-8E22-42A7-9BEA-2AC7066E6498}" type="datetimeFigureOut">
               <a:rPr lang="ko-KR" altLang="en-US" smtClean="0"/>
-              <a:t>2023-11-05</a:t>
+              <a:t>2023-11-12</a:t>
             </a:fld>
             <a:endParaRPr lang="ko-KR" altLang="en-US"/>
           </a:p>
@@ -3425,7 +3425,7 @@
           <a:p>
             <a:fld id="{DEA6EBF0-8E22-42A7-9BEA-2AC7066E6498}" type="datetimeFigureOut">
               <a:rPr lang="ko-KR" altLang="en-US" smtClean="0"/>
-              <a:t>2023-11-05</a:t>
+              <a:t>2023-11-12</a:t>
             </a:fld>
             <a:endParaRPr lang="ko-KR" altLang="en-US"/>
           </a:p>
@@ -3580,7 +3580,7 @@
           <a:ln/>
           <a:extLst>
             <a:ext uri="{91240B29-F687-4f45-9708-019B960494DF}">
-              <a14:hiddenLine xmlns="" xmlns:a14="http://schemas.microsoft.com/office/drawing/2010/main" w="9525">
+              <a14:hiddenLine xmlns:a14="http://schemas.microsoft.com/office/drawing/2010/main" xmlns="" w="9525">
                 <a:solidFill>
                   <a:srgbClr val="000000"/>
                 </a:solidFill>
@@ -3764,7 +3764,7 @@
           <a:p>
             <a:fld id="{DEA6EBF0-8E22-42A7-9BEA-2AC7066E6498}" type="datetimeFigureOut">
               <a:rPr lang="ko-KR" altLang="en-US" smtClean="0"/>
-              <a:t>2023-11-05</a:t>
+              <a:t>2023-11-12</a:t>
             </a:fld>
             <a:endParaRPr lang="ko-KR" altLang="en-US"/>
           </a:p>
@@ -3919,7 +3919,7 @@
           <a:ln/>
           <a:extLst>
             <a:ext uri="{91240B29-F687-4f45-9708-019B960494DF}">
-              <a14:hiddenLine xmlns="" xmlns:a14="http://schemas.microsoft.com/office/drawing/2010/main" w="9525">
+              <a14:hiddenLine xmlns:a14="http://schemas.microsoft.com/office/drawing/2010/main" xmlns="" w="9525">
                 <a:solidFill>
                   <a:srgbClr val="000000"/>
                 </a:solidFill>
@@ -4241,7 +4241,7 @@
           <a:p>
             <a:fld id="{DEA6EBF0-8E22-42A7-9BEA-2AC7066E6498}" type="datetimeFigureOut">
               <a:rPr lang="ko-KR" altLang="en-US" smtClean="0"/>
-              <a:t>2023-11-05</a:t>
+              <a:t>2023-11-12</a:t>
             </a:fld>
             <a:endParaRPr lang="ko-KR" altLang="en-US"/>
           </a:p>
@@ -4336,7 +4336,7 @@
           <a:p>
             <a:fld id="{DEA6EBF0-8E22-42A7-9BEA-2AC7066E6498}" type="datetimeFigureOut">
               <a:rPr lang="ko-KR" altLang="en-US" smtClean="0"/>
-              <a:t>2023-11-05</a:t>
+              <a:t>2023-11-12</a:t>
             </a:fld>
             <a:endParaRPr lang="ko-KR" altLang="en-US"/>
           </a:p>
@@ -4604,7 +4604,7 @@
           <a:ln/>
           <a:extLst>
             <a:ext uri="{91240B29-F687-4f45-9708-019B960494DF}">
-              <a14:hiddenLine xmlns="" xmlns:a14="http://schemas.microsoft.com/office/drawing/2010/main" w="9525">
+              <a14:hiddenLine xmlns:a14="http://schemas.microsoft.com/office/drawing/2010/main" xmlns="" w="9525">
                 <a:solidFill>
                   <a:srgbClr val="000000"/>
                 </a:solidFill>
@@ -4803,7 +4803,7 @@
           <a:p>
             <a:fld id="{DEA6EBF0-8E22-42A7-9BEA-2AC7066E6498}" type="datetimeFigureOut">
               <a:rPr lang="ko-KR" altLang="en-US" smtClean="0"/>
-              <a:t>2023-11-05</a:t>
+              <a:t>2023-11-12</a:t>
             </a:fld>
             <a:endParaRPr lang="ko-KR" altLang="en-US"/>
           </a:p>
@@ -5116,7 +5116,7 @@
           <a:p>
             <a:fld id="{DEA6EBF0-8E22-42A7-9BEA-2AC7066E6498}" type="datetimeFigureOut">
               <a:rPr lang="ko-KR" altLang="en-US" smtClean="0"/>
-              <a:t>2023-11-05</a:t>
+              <a:t>2023-11-12</a:t>
             </a:fld>
             <a:endParaRPr lang="ko-KR" altLang="en-US"/>
           </a:p>
@@ -5386,7 +5386,7 @@
           <a:p>
             <a:fld id="{DEA6EBF0-8E22-42A7-9BEA-2AC7066E6498}" type="datetimeFigureOut">
               <a:rPr lang="ko-KR" altLang="en-US" smtClean="0"/>
-              <a:t>2023-11-05</a:t>
+              <a:t>2023-11-12</a:t>
             </a:fld>
             <a:endParaRPr lang="ko-KR" altLang="en-US"/>
           </a:p>
@@ -7545,12 +7545,23 @@
           <a:p>
             <a:pPr algn="ctr"/>
             <a:r>
+              <a:rPr lang="en-US" altLang="ko-KR" sz="1800" dirty="0"/>
+              <a:t>../Sample</a:t>
+            </a:r>
+          </a:p>
+          <a:p>
+            <a:pPr algn="ctr"/>
+            <a:r>
+              <a:rPr lang="en-US" altLang="ko-KR" sz="1800"/>
+              <a:t>/Lib</a:t>
+            </a:r>
+            <a:r>
               <a:rPr lang="en-US" altLang="ko-KR"/>
-              <a:t>Lib</a:t>
+              <a:t>/</a:t>
             </a:r>
             <a:r>
               <a:rPr lang="en-US" altLang="ko-KR" dirty="0"/>
-              <a:t>/tester</a:t>
+              <a:t>tester</a:t>
             </a:r>
           </a:p>
           <a:p>

--- a/DsDotNet/src/UnitTest/UnitTest.Model/ImportOfficeExample/ppt/T8_Safety.pptx
+++ b/DsDotNet/src/UnitTest/UnitTest.Model/ImportOfficeExample/ppt/T8_Safety.pptx
@@ -5,15 +5,14 @@
     <p:sldMasterId id="2147483660" r:id="rId1"/>
   </p:sldMasterIdLst>
   <p:notesMasterIdLst>
-    <p:notesMasterId r:id="rId5"/>
+    <p:notesMasterId r:id="rId4"/>
   </p:notesMasterIdLst>
   <p:handoutMasterIdLst>
-    <p:handoutMasterId r:id="rId6"/>
+    <p:handoutMasterId r:id="rId5"/>
   </p:handoutMasterIdLst>
   <p:sldIdLst>
     <p:sldId id="256" r:id="rId2"/>
-    <p:sldId id="615" r:id="rId3"/>
-    <p:sldId id="619" r:id="rId4"/>
+    <p:sldId id="619" r:id="rId3"/>
   </p:sldIdLst>
   <p:sldSz cx="12192000" cy="6858000"/>
   <p:notesSz cx="6797675" cy="9926638"/>
@@ -217,7 +216,7 @@
           <a:p>
             <a:fld id="{DD503887-5801-43A0-AEF9-041E8DDC2558}" type="datetimeFigureOut">
               <a:rPr lang="ko-KR" altLang="en-US" smtClean="0"/>
-              <a:t>2023-11-12</a:t>
+              <a:t>2024-03-13</a:t>
             </a:fld>
             <a:endParaRPr lang="ko-KR" altLang="en-US"/>
           </a:p>
@@ -394,7 +393,7 @@
           <a:p>
             <a:fld id="{95336A0E-57B1-4D4C-BD9B-2F72B5943464}" type="datetimeFigureOut">
               <a:rPr lang="ko-KR" altLang="en-US" smtClean="0"/>
-              <a:t>2023-11-12</a:t>
+              <a:t>2024-03-13</a:t>
             </a:fld>
             <a:endParaRPr lang="ko-KR" altLang="en-US"/>
           </a:p>
@@ -756,7 +755,7 @@
           <a:effectLst/>
           <a:extLst>
             <a:ext uri="{91240B29-F687-4f45-9708-019B960494DF}">
-              <a14:hiddenLine xmlns:a14="http://schemas.microsoft.com/office/drawing/2010/main" xmlns="" w="9525">
+              <a14:hiddenLine xmlns="" xmlns:a14="http://schemas.microsoft.com/office/drawing/2010/main" w="9525">
                 <a:solidFill>
                   <a:srgbClr val="000000"/>
                 </a:solidFill>
@@ -948,7 +947,7 @@
           <a:p>
             <a:fld id="{DEA6EBF0-8E22-42A7-9BEA-2AC7066E6498}" type="datetimeFigureOut">
               <a:rPr lang="ko-KR" altLang="en-US" smtClean="0"/>
-              <a:t>2023-11-12</a:t>
+              <a:t>2024-03-13</a:t>
             </a:fld>
             <a:endParaRPr lang="ko-KR" altLang="en-US"/>
           </a:p>
@@ -1266,7 +1265,7 @@
           <a:p>
             <a:fld id="{DEA6EBF0-8E22-42A7-9BEA-2AC7066E6498}" type="datetimeFigureOut">
               <a:rPr lang="ko-KR" altLang="en-US" smtClean="0"/>
-              <a:t>2023-11-12</a:t>
+              <a:t>2024-03-13</a:t>
             </a:fld>
             <a:endParaRPr lang="ko-KR" altLang="en-US"/>
           </a:p>
@@ -1754,7 +1753,7 @@
           <a:p>
             <a:fld id="{DEA6EBF0-8E22-42A7-9BEA-2AC7066E6498}" type="datetimeFigureOut">
               <a:rPr lang="ko-KR" altLang="en-US" smtClean="0"/>
-              <a:t>2023-11-12</a:t>
+              <a:t>2024-03-13</a:t>
             </a:fld>
             <a:endParaRPr lang="ko-KR" altLang="en-US"/>
           </a:p>
@@ -2123,7 +2122,7 @@
           <a:p>
             <a:fld id="{DEA6EBF0-8E22-42A7-9BEA-2AC7066E6498}" type="datetimeFigureOut">
               <a:rPr lang="ko-KR" altLang="en-US" smtClean="0"/>
-              <a:t>2023-11-12</a:t>
+              <a:t>2024-03-13</a:t>
             </a:fld>
             <a:endParaRPr lang="ko-KR" altLang="en-US"/>
           </a:p>
@@ -2278,7 +2277,7 @@
           <a:ln/>
           <a:extLst>
             <a:ext uri="{91240B29-F687-4f45-9708-019B960494DF}">
-              <a14:hiddenLine xmlns:a14="http://schemas.microsoft.com/office/drawing/2010/main" xmlns="" w="9525">
+              <a14:hiddenLine xmlns="" xmlns:a14="http://schemas.microsoft.com/office/drawing/2010/main" w="9525">
                 <a:solidFill>
                   <a:srgbClr val="000000"/>
                 </a:solidFill>
@@ -2396,7 +2395,7 @@
           <a:p>
             <a:fld id="{DEA6EBF0-8E22-42A7-9BEA-2AC7066E6498}" type="datetimeFigureOut">
               <a:rPr lang="ko-KR" altLang="en-US" smtClean="0"/>
-              <a:t>2023-11-12</a:t>
+              <a:t>2024-03-13</a:t>
             </a:fld>
             <a:endParaRPr lang="ko-KR" altLang="en-US"/>
           </a:p>
@@ -2553,7 +2552,7 @@
           <a:ln/>
           <a:extLst>
             <a:ext uri="{91240B29-F687-4f45-9708-019B960494DF}">
-              <a14:hiddenLine xmlns:a14="http://schemas.microsoft.com/office/drawing/2010/main" xmlns="" w="9525">
+              <a14:hiddenLine xmlns="" xmlns:a14="http://schemas.microsoft.com/office/drawing/2010/main" w="9525">
                 <a:solidFill>
                   <a:srgbClr val="000000"/>
                 </a:solidFill>
@@ -2681,7 +2680,7 @@
           <a:p>
             <a:fld id="{DEA6EBF0-8E22-42A7-9BEA-2AC7066E6498}" type="datetimeFigureOut">
               <a:rPr lang="ko-KR" altLang="en-US" smtClean="0"/>
-              <a:t>2023-11-12</a:t>
+              <a:t>2024-03-13</a:t>
             </a:fld>
             <a:endParaRPr lang="ko-KR" altLang="en-US"/>
           </a:p>
@@ -2799,7 +2798,7 @@
           <a:p>
             <a:fld id="{DEA6EBF0-8E22-42A7-9BEA-2AC7066E6498}" type="datetimeFigureOut">
               <a:rPr lang="ko-KR" altLang="en-US" smtClean="0"/>
-              <a:t>2023-11-12</a:t>
+              <a:t>2024-03-13</a:t>
             </a:fld>
             <a:endParaRPr lang="ko-KR" altLang="en-US"/>
           </a:p>
@@ -2954,7 +2953,7 @@
           <a:ln/>
           <a:extLst>
             <a:ext uri="{91240B29-F687-4f45-9708-019B960494DF}">
-              <a14:hiddenLine xmlns:a14="http://schemas.microsoft.com/office/drawing/2010/main" xmlns="" w="9525">
+              <a14:hiddenLine xmlns="" xmlns:a14="http://schemas.microsoft.com/office/drawing/2010/main" w="9525">
                 <a:solidFill>
                   <a:srgbClr val="000000"/>
                 </a:solidFill>
@@ -3082,7 +3081,7 @@
           <a:p>
             <a:fld id="{DEA6EBF0-8E22-42A7-9BEA-2AC7066E6498}" type="datetimeFigureOut">
               <a:rPr lang="ko-KR" altLang="en-US" smtClean="0"/>
-              <a:t>2023-11-12</a:t>
+              <a:t>2024-03-13</a:t>
             </a:fld>
             <a:endParaRPr lang="ko-KR" altLang="en-US"/>
           </a:p>
@@ -3425,7 +3424,7 @@
           <a:p>
             <a:fld id="{DEA6EBF0-8E22-42A7-9BEA-2AC7066E6498}" type="datetimeFigureOut">
               <a:rPr lang="ko-KR" altLang="en-US" smtClean="0"/>
-              <a:t>2023-11-12</a:t>
+              <a:t>2024-03-13</a:t>
             </a:fld>
             <a:endParaRPr lang="ko-KR" altLang="en-US"/>
           </a:p>
@@ -3580,7 +3579,7 @@
           <a:ln/>
           <a:extLst>
             <a:ext uri="{91240B29-F687-4f45-9708-019B960494DF}">
-              <a14:hiddenLine xmlns:a14="http://schemas.microsoft.com/office/drawing/2010/main" xmlns="" w="9525">
+              <a14:hiddenLine xmlns="" xmlns:a14="http://schemas.microsoft.com/office/drawing/2010/main" w="9525">
                 <a:solidFill>
                   <a:srgbClr val="000000"/>
                 </a:solidFill>
@@ -3764,7 +3763,7 @@
           <a:p>
             <a:fld id="{DEA6EBF0-8E22-42A7-9BEA-2AC7066E6498}" type="datetimeFigureOut">
               <a:rPr lang="ko-KR" altLang="en-US" smtClean="0"/>
-              <a:t>2023-11-12</a:t>
+              <a:t>2024-03-13</a:t>
             </a:fld>
             <a:endParaRPr lang="ko-KR" altLang="en-US"/>
           </a:p>
@@ -3919,7 +3918,7 @@
           <a:ln/>
           <a:extLst>
             <a:ext uri="{91240B29-F687-4f45-9708-019B960494DF}">
-              <a14:hiddenLine xmlns:a14="http://schemas.microsoft.com/office/drawing/2010/main" xmlns="" w="9525">
+              <a14:hiddenLine xmlns="" xmlns:a14="http://schemas.microsoft.com/office/drawing/2010/main" w="9525">
                 <a:solidFill>
                   <a:srgbClr val="000000"/>
                 </a:solidFill>
@@ -4241,7 +4240,7 @@
           <a:p>
             <a:fld id="{DEA6EBF0-8E22-42A7-9BEA-2AC7066E6498}" type="datetimeFigureOut">
               <a:rPr lang="ko-KR" altLang="en-US" smtClean="0"/>
-              <a:t>2023-11-12</a:t>
+              <a:t>2024-03-13</a:t>
             </a:fld>
             <a:endParaRPr lang="ko-KR" altLang="en-US"/>
           </a:p>
@@ -4336,7 +4335,7 @@
           <a:p>
             <a:fld id="{DEA6EBF0-8E22-42A7-9BEA-2AC7066E6498}" type="datetimeFigureOut">
               <a:rPr lang="ko-KR" altLang="en-US" smtClean="0"/>
-              <a:t>2023-11-12</a:t>
+              <a:t>2024-03-13</a:t>
             </a:fld>
             <a:endParaRPr lang="ko-KR" altLang="en-US"/>
           </a:p>
@@ -4604,7 +4603,7 @@
           <a:ln/>
           <a:extLst>
             <a:ext uri="{91240B29-F687-4f45-9708-019B960494DF}">
-              <a14:hiddenLine xmlns:a14="http://schemas.microsoft.com/office/drawing/2010/main" xmlns="" w="9525">
+              <a14:hiddenLine xmlns="" xmlns:a14="http://schemas.microsoft.com/office/drawing/2010/main" w="9525">
                 <a:solidFill>
                   <a:srgbClr val="000000"/>
                 </a:solidFill>
@@ -4803,7 +4802,7 @@
           <a:p>
             <a:fld id="{DEA6EBF0-8E22-42A7-9BEA-2AC7066E6498}" type="datetimeFigureOut">
               <a:rPr lang="ko-KR" altLang="en-US" smtClean="0"/>
-              <a:t>2023-11-12</a:t>
+              <a:t>2024-03-13</a:t>
             </a:fld>
             <a:endParaRPr lang="ko-KR" altLang="en-US"/>
           </a:p>
@@ -5116,7 +5115,7 @@
           <a:p>
             <a:fld id="{DEA6EBF0-8E22-42A7-9BEA-2AC7066E6498}" type="datetimeFigureOut">
               <a:rPr lang="ko-KR" altLang="en-US" smtClean="0"/>
-              <a:t>2023-11-12</a:t>
+              <a:t>2024-03-13</a:t>
             </a:fld>
             <a:endParaRPr lang="ko-KR" altLang="en-US"/>
           </a:p>
@@ -5386,7 +5385,7 @@
           <a:p>
             <a:fld id="{DEA6EBF0-8E22-42A7-9BEA-2AC7066E6498}" type="datetimeFigureOut">
               <a:rPr lang="ko-KR" altLang="en-US" smtClean="0"/>
-              <a:t>2023-11-12</a:t>
+              <a:t>2024-03-13</a:t>
             </a:fld>
             <a:endParaRPr lang="ko-KR" altLang="en-US"/>
           </a:p>
@@ -5858,7 +5857,7 @@
           <a:p>
             <a:r>
               <a:rPr lang="en-US" altLang="ko-KR" dirty="0"/>
-              <a:t>Unit Test</a:t>
+              <a:t>T8_Safety</a:t>
             </a:r>
             <a:endParaRPr lang="ko-KR" altLang="en-US" dirty="0"/>
           </a:p>
@@ -5936,1106 +5935,6 @@
 </file>
 
 <file path=ppt/slides/slide2.xml><?xml version="1.0" encoding="utf-8"?>
-<p:sld xmlns:a="http://schemas.openxmlformats.org/drawingml/2006/main" xmlns:r="http://schemas.openxmlformats.org/officeDocument/2006/relationships" xmlns:p="http://schemas.openxmlformats.org/presentationml/2006/main" show="0">
-  <p:cSld>
-    <p:spTree>
-      <p:nvGrpSpPr>
-        <p:cNvPr id="1" name=""/>
-        <p:cNvGrpSpPr/>
-        <p:nvPr/>
-      </p:nvGrpSpPr>
-      <p:grpSpPr>
-        <a:xfrm>
-          <a:off x="0" y="0"/>
-          <a:ext cx="0" cy="0"/>
-          <a:chOff x="0" y="0"/>
-          <a:chExt cx="0" cy="0"/>
-        </a:xfrm>
-      </p:grpSpPr>
-      <p:sp>
-        <p:nvSpPr>
-          <p:cNvPr id="2" name="제목 1">
-            <a:extLst>
-              <a:ext uri="{FF2B5EF4-FFF2-40B4-BE49-F238E27FC236}">
-                <a16:creationId xmlns:a16="http://schemas.microsoft.com/office/drawing/2014/main" id="{E35BEC89-0CFB-7F29-D8C7-71B3E64B4D66}"/>
-              </a:ext>
-            </a:extLst>
-          </p:cNvPr>
-          <p:cNvSpPr>
-            <a:spLocks noGrp="1"/>
-          </p:cNvSpPr>
-          <p:nvPr>
-            <p:ph type="title"/>
-          </p:nvPr>
-        </p:nvSpPr>
-        <p:spPr/>
-        <p:txBody>
-          <a:bodyPr/>
-          <a:lstStyle/>
-          <a:p>
-            <a:r>
-              <a:rPr lang="en-US" altLang="ko-KR" dirty="0"/>
-              <a:t>SystemA</a:t>
-            </a:r>
-            <a:endParaRPr lang="ko-KR" altLang="en-US" dirty="0"/>
-          </a:p>
-        </p:txBody>
-      </p:sp>
-      <p:sp>
-        <p:nvSpPr>
-          <p:cNvPr id="3" name="직사각형 2">
-            <a:extLst>
-              <a:ext uri="{FF2B5EF4-FFF2-40B4-BE49-F238E27FC236}">
-                <a16:creationId xmlns:a16="http://schemas.microsoft.com/office/drawing/2014/main" id="{AE284668-AADC-BBCB-FD0C-C38FD3BAC033}"/>
-              </a:ext>
-            </a:extLst>
-          </p:cNvPr>
-          <p:cNvSpPr/>
-          <p:nvPr/>
-        </p:nvSpPr>
-        <p:spPr>
-          <a:xfrm>
-            <a:off x="1643289" y="2204358"/>
-            <a:ext cx="1103086" cy="1066431"/>
-          </a:xfrm>
-          <a:prstGeom prst="rect">
-            <a:avLst/>
-          </a:prstGeom>
-          <a:solidFill>
-            <a:schemeClr val="accent4">
-              <a:alpha val="50000"/>
-            </a:schemeClr>
-          </a:solidFill>
-          <a:ln>
-            <a:noFill/>
-          </a:ln>
-        </p:spPr>
-        <p:style>
-          <a:lnRef idx="0">
-            <a:scrgbClr r="0" g="0" b="0"/>
-          </a:lnRef>
-          <a:fillRef idx="0">
-            <a:scrgbClr r="0" g="0" b="0"/>
-          </a:fillRef>
-          <a:effectRef idx="0">
-            <a:scrgbClr r="0" g="0" b="0"/>
-          </a:effectRef>
-          <a:fontRef idx="minor">
-            <a:schemeClr val="lt1"/>
-          </a:fontRef>
-        </p:style>
-        <p:txBody>
-          <a:bodyPr rtlCol="0" anchor="ctr"/>
-          <a:lstStyle/>
-          <a:p>
-            <a:pPr algn="ctr"/>
-            <a:r>
-              <a:rPr lang="en-US" altLang="ko-KR" sz="2800" dirty="0"/>
-              <a:t>R1</a:t>
-            </a:r>
-            <a:endParaRPr lang="ko-KR" altLang="en-US" sz="2800" dirty="0"/>
-          </a:p>
-        </p:txBody>
-      </p:sp>
-      <p:sp>
-        <p:nvSpPr>
-          <p:cNvPr id="4" name="직사각형 3">
-            <a:extLst>
-              <a:ext uri="{FF2B5EF4-FFF2-40B4-BE49-F238E27FC236}">
-                <a16:creationId xmlns:a16="http://schemas.microsoft.com/office/drawing/2014/main" id="{74743BFD-24B1-B058-BC70-ED691B775D89}"/>
-              </a:ext>
-            </a:extLst>
-          </p:cNvPr>
-          <p:cNvSpPr/>
-          <p:nvPr/>
-        </p:nvSpPr>
-        <p:spPr>
-          <a:xfrm>
-            <a:off x="3428546" y="2204358"/>
-            <a:ext cx="1103086" cy="1066431"/>
-          </a:xfrm>
-          <a:prstGeom prst="rect">
-            <a:avLst/>
-          </a:prstGeom>
-          <a:solidFill>
-            <a:schemeClr val="accent4">
-              <a:alpha val="50000"/>
-            </a:schemeClr>
-          </a:solidFill>
-          <a:ln>
-            <a:noFill/>
-          </a:ln>
-        </p:spPr>
-        <p:style>
-          <a:lnRef idx="0">
-            <a:scrgbClr r="0" g="0" b="0"/>
-          </a:lnRef>
-          <a:fillRef idx="0">
-            <a:scrgbClr r="0" g="0" b="0"/>
-          </a:fillRef>
-          <a:effectRef idx="0">
-            <a:scrgbClr r="0" g="0" b="0"/>
-          </a:effectRef>
-          <a:fontRef idx="minor">
-            <a:schemeClr val="lt1"/>
-          </a:fontRef>
-        </p:style>
-        <p:txBody>
-          <a:bodyPr rtlCol="0" anchor="ctr"/>
-          <a:lstStyle/>
-          <a:p>
-            <a:pPr algn="ctr"/>
-            <a:r>
-              <a:rPr lang="en-US" altLang="ko-KR" sz="2800" dirty="0"/>
-              <a:t>R2</a:t>
-            </a:r>
-            <a:endParaRPr lang="ko-KR" altLang="en-US" sz="2800" dirty="0"/>
-          </a:p>
-        </p:txBody>
-      </p:sp>
-      <p:cxnSp>
-        <p:nvCxnSpPr>
-          <p:cNvPr id="5" name="직선 화살표 연결선 4">
-            <a:extLst>
-              <a:ext uri="{FF2B5EF4-FFF2-40B4-BE49-F238E27FC236}">
-                <a16:creationId xmlns:a16="http://schemas.microsoft.com/office/drawing/2014/main" id="{D59A1C66-22B5-D827-49D2-3FA11731792D}"/>
-              </a:ext>
-            </a:extLst>
-          </p:cNvPr>
-          <p:cNvCxnSpPr>
-            <a:cxnSpLocks/>
-            <a:stCxn id="3" idx="3"/>
-            <a:endCxn id="4" idx="1"/>
-          </p:cNvCxnSpPr>
-          <p:nvPr/>
-        </p:nvCxnSpPr>
-        <p:spPr>
-          <a:xfrm>
-            <a:off x="2746375" y="2737574"/>
-            <a:ext cx="682171" cy="0"/>
-          </a:xfrm>
-          <a:prstGeom prst="straightConnector1">
-            <a:avLst/>
-          </a:prstGeom>
-          <a:ln w="28575">
-            <a:solidFill>
-              <a:schemeClr val="tx1">
-                <a:lumMod val="75000"/>
-                <a:lumOff val="25000"/>
-              </a:schemeClr>
-            </a:solidFill>
-            <a:tailEnd type="triangle"/>
-          </a:ln>
-        </p:spPr>
-        <p:style>
-          <a:lnRef idx="1">
-            <a:schemeClr val="dk1"/>
-          </a:lnRef>
-          <a:fillRef idx="3">
-            <a:schemeClr val="dk1"/>
-          </a:fillRef>
-          <a:effectRef idx="2">
-            <a:schemeClr val="dk1"/>
-          </a:effectRef>
-          <a:fontRef idx="minor">
-            <a:schemeClr val="lt1"/>
-          </a:fontRef>
-        </p:style>
-      </p:cxnSp>
-      <p:sp>
-        <p:nvSpPr>
-          <p:cNvPr id="6" name="직사각형 5">
-            <a:extLst>
-              <a:ext uri="{FF2B5EF4-FFF2-40B4-BE49-F238E27FC236}">
-                <a16:creationId xmlns:a16="http://schemas.microsoft.com/office/drawing/2014/main" id="{061E75B7-681C-366D-275B-8BF147396AC9}"/>
-              </a:ext>
-            </a:extLst>
-          </p:cNvPr>
-          <p:cNvSpPr/>
-          <p:nvPr/>
-        </p:nvSpPr>
-        <p:spPr>
-          <a:xfrm>
-            <a:off x="5213803" y="2204357"/>
-            <a:ext cx="1103086" cy="1066431"/>
-          </a:xfrm>
-          <a:prstGeom prst="rect">
-            <a:avLst/>
-          </a:prstGeom>
-          <a:solidFill>
-            <a:schemeClr val="accent4">
-              <a:alpha val="50000"/>
-            </a:schemeClr>
-          </a:solidFill>
-          <a:ln>
-            <a:noFill/>
-          </a:ln>
-        </p:spPr>
-        <p:style>
-          <a:lnRef idx="0">
-            <a:scrgbClr r="0" g="0" b="0"/>
-          </a:lnRef>
-          <a:fillRef idx="0">
-            <a:scrgbClr r="0" g="0" b="0"/>
-          </a:fillRef>
-          <a:effectRef idx="0">
-            <a:scrgbClr r="0" g="0" b="0"/>
-          </a:effectRef>
-          <a:fontRef idx="minor">
-            <a:schemeClr val="lt1"/>
-          </a:fontRef>
-        </p:style>
-        <p:txBody>
-          <a:bodyPr rtlCol="0" anchor="ctr"/>
-          <a:lstStyle/>
-          <a:p>
-            <a:pPr algn="ctr"/>
-            <a:r>
-              <a:rPr lang="en-US" altLang="ko-KR" sz="2800" dirty="0"/>
-              <a:t>R3</a:t>
-            </a:r>
-            <a:endParaRPr lang="ko-KR" altLang="en-US" sz="2800" dirty="0"/>
-          </a:p>
-        </p:txBody>
-      </p:sp>
-      <p:cxnSp>
-        <p:nvCxnSpPr>
-          <p:cNvPr id="8" name="직선 화살표 연결선 7">
-            <a:extLst>
-              <a:ext uri="{FF2B5EF4-FFF2-40B4-BE49-F238E27FC236}">
-                <a16:creationId xmlns:a16="http://schemas.microsoft.com/office/drawing/2014/main" id="{937DD01D-AD0B-1FA8-2019-457FFAB8C0FE}"/>
-              </a:ext>
-            </a:extLst>
-          </p:cNvPr>
-          <p:cNvCxnSpPr>
-            <a:cxnSpLocks/>
-            <a:stCxn id="4" idx="3"/>
-            <a:endCxn id="6" idx="1"/>
-          </p:cNvCxnSpPr>
-          <p:nvPr/>
-        </p:nvCxnSpPr>
-        <p:spPr>
-          <a:xfrm flipV="1">
-            <a:off x="4531632" y="2737573"/>
-            <a:ext cx="682171" cy="1"/>
-          </a:xfrm>
-          <a:prstGeom prst="straightConnector1">
-            <a:avLst/>
-          </a:prstGeom>
-          <a:ln w="57150" cmpd="dbl">
-            <a:solidFill>
-              <a:schemeClr val="tx1">
-                <a:lumMod val="75000"/>
-                <a:lumOff val="25000"/>
-              </a:schemeClr>
-            </a:solidFill>
-            <a:tailEnd type="triangle"/>
-          </a:ln>
-        </p:spPr>
-        <p:style>
-          <a:lnRef idx="1">
-            <a:schemeClr val="dk1"/>
-          </a:lnRef>
-          <a:fillRef idx="3">
-            <a:schemeClr val="dk1"/>
-          </a:fillRef>
-          <a:effectRef idx="2">
-            <a:schemeClr val="dk1"/>
-          </a:effectRef>
-          <a:fontRef idx="minor">
-            <a:schemeClr val="lt1"/>
-          </a:fontRef>
-        </p:style>
-      </p:cxnSp>
-      <p:sp>
-        <p:nvSpPr>
-          <p:cNvPr id="23" name="직사각형 22">
-            <a:extLst>
-              <a:ext uri="{FF2B5EF4-FFF2-40B4-BE49-F238E27FC236}">
-                <a16:creationId xmlns:a16="http://schemas.microsoft.com/office/drawing/2014/main" id="{84529DA7-F1E1-F0E2-637D-64CC7C6F697B}"/>
-              </a:ext>
-            </a:extLst>
-          </p:cNvPr>
-          <p:cNvSpPr/>
-          <p:nvPr/>
-        </p:nvSpPr>
-        <p:spPr>
-          <a:xfrm>
-            <a:off x="6999060" y="2204356"/>
-            <a:ext cx="1103086" cy="1066431"/>
-          </a:xfrm>
-          <a:prstGeom prst="rect">
-            <a:avLst/>
-          </a:prstGeom>
-          <a:solidFill>
-            <a:schemeClr val="accent4">
-              <a:alpha val="50000"/>
-            </a:schemeClr>
-          </a:solidFill>
-          <a:ln>
-            <a:noFill/>
-          </a:ln>
-        </p:spPr>
-        <p:style>
-          <a:lnRef idx="0">
-            <a:scrgbClr r="0" g="0" b="0"/>
-          </a:lnRef>
-          <a:fillRef idx="0">
-            <a:scrgbClr r="0" g="0" b="0"/>
-          </a:fillRef>
-          <a:effectRef idx="0">
-            <a:scrgbClr r="0" g="0" b="0"/>
-          </a:effectRef>
-          <a:fontRef idx="minor">
-            <a:schemeClr val="lt1"/>
-          </a:fontRef>
-        </p:style>
-        <p:txBody>
-          <a:bodyPr rtlCol="0" anchor="ctr"/>
-          <a:lstStyle/>
-          <a:p>
-            <a:pPr algn="ctr"/>
-            <a:r>
-              <a:rPr lang="en-US" altLang="ko-KR" sz="2800" dirty="0"/>
-              <a:t>R4</a:t>
-            </a:r>
-            <a:endParaRPr lang="ko-KR" altLang="en-US" sz="2800" dirty="0"/>
-          </a:p>
-        </p:txBody>
-      </p:sp>
-      <p:cxnSp>
-        <p:nvCxnSpPr>
-          <p:cNvPr id="24" name="직선 화살표 연결선 23">
-            <a:extLst>
-              <a:ext uri="{FF2B5EF4-FFF2-40B4-BE49-F238E27FC236}">
-                <a16:creationId xmlns:a16="http://schemas.microsoft.com/office/drawing/2014/main" id="{BE733B42-1C78-BC2A-55A5-EA3ACDB67C78}"/>
-              </a:ext>
-            </a:extLst>
-          </p:cNvPr>
-          <p:cNvCxnSpPr>
-            <a:cxnSpLocks/>
-            <a:stCxn id="6" idx="3"/>
-            <a:endCxn id="23" idx="1"/>
-          </p:cNvCxnSpPr>
-          <p:nvPr/>
-        </p:nvCxnSpPr>
-        <p:spPr>
-          <a:xfrm flipV="1">
-            <a:off x="6316889" y="2737572"/>
-            <a:ext cx="682171" cy="1"/>
-          </a:xfrm>
-          <a:prstGeom prst="straightConnector1">
-            <a:avLst/>
-          </a:prstGeom>
-          <a:ln w="31750">
-            <a:solidFill>
-              <a:schemeClr val="tx1">
-                <a:lumMod val="75000"/>
-                <a:lumOff val="25000"/>
-              </a:schemeClr>
-            </a:solidFill>
-            <a:prstDash val="dash"/>
-            <a:tailEnd type="triangle"/>
-          </a:ln>
-        </p:spPr>
-        <p:style>
-          <a:lnRef idx="1">
-            <a:schemeClr val="dk1"/>
-          </a:lnRef>
-          <a:fillRef idx="3">
-            <a:schemeClr val="dk1"/>
-          </a:fillRef>
-          <a:effectRef idx="2">
-            <a:schemeClr val="dk1"/>
-          </a:effectRef>
-          <a:fontRef idx="minor">
-            <a:schemeClr val="lt1"/>
-          </a:fontRef>
-        </p:style>
-      </p:cxnSp>
-      <p:sp>
-        <p:nvSpPr>
-          <p:cNvPr id="27" name="직사각형 26">
-            <a:extLst>
-              <a:ext uri="{FF2B5EF4-FFF2-40B4-BE49-F238E27FC236}">
-                <a16:creationId xmlns:a16="http://schemas.microsoft.com/office/drawing/2014/main" id="{8D9A5CA6-1556-A2DB-9B44-FFAA075F7066}"/>
-              </a:ext>
-            </a:extLst>
-          </p:cNvPr>
-          <p:cNvSpPr/>
-          <p:nvPr/>
-        </p:nvSpPr>
-        <p:spPr>
-          <a:xfrm>
-            <a:off x="4081689" y="4195083"/>
-            <a:ext cx="1103086" cy="1066431"/>
-          </a:xfrm>
-          <a:prstGeom prst="rect">
-            <a:avLst/>
-          </a:prstGeom>
-          <a:solidFill>
-            <a:schemeClr val="accent4">
-              <a:alpha val="50000"/>
-            </a:schemeClr>
-          </a:solidFill>
-          <a:ln>
-            <a:noFill/>
-          </a:ln>
-        </p:spPr>
-        <p:style>
-          <a:lnRef idx="0">
-            <a:scrgbClr r="0" g="0" b="0"/>
-          </a:lnRef>
-          <a:fillRef idx="0">
-            <a:scrgbClr r="0" g="0" b="0"/>
-          </a:fillRef>
-          <a:effectRef idx="0">
-            <a:scrgbClr r="0" g="0" b="0"/>
-          </a:effectRef>
-          <a:fontRef idx="minor">
-            <a:schemeClr val="lt1"/>
-          </a:fontRef>
-        </p:style>
-        <p:txBody>
-          <a:bodyPr rtlCol="0" anchor="ctr"/>
-          <a:lstStyle/>
-          <a:p>
-            <a:pPr algn="ctr"/>
-            <a:r>
-              <a:rPr lang="en-US" altLang="ko-KR" sz="2800" dirty="0"/>
-              <a:t>[R3]</a:t>
-            </a:r>
-          </a:p>
-          <a:p>
-            <a:pPr algn="ctr"/>
-            <a:r>
-              <a:rPr lang="en-US" altLang="ko-KR" sz="2800" dirty="0"/>
-              <a:t>R5</a:t>
-            </a:r>
-            <a:endParaRPr lang="ko-KR" altLang="en-US" sz="2800" dirty="0"/>
-          </a:p>
-        </p:txBody>
-      </p:sp>
-      <p:sp>
-        <p:nvSpPr>
-          <p:cNvPr id="28" name="직사각형 27">
-            <a:extLst>
-              <a:ext uri="{FF2B5EF4-FFF2-40B4-BE49-F238E27FC236}">
-                <a16:creationId xmlns:a16="http://schemas.microsoft.com/office/drawing/2014/main" id="{C872A8B1-6758-977A-F148-0D8F06CC853E}"/>
-              </a:ext>
-            </a:extLst>
-          </p:cNvPr>
-          <p:cNvSpPr/>
-          <p:nvPr/>
-        </p:nvSpPr>
-        <p:spPr>
-          <a:xfrm>
-            <a:off x="5866946" y="4195083"/>
-            <a:ext cx="1103086" cy="1066431"/>
-          </a:xfrm>
-          <a:prstGeom prst="rect">
-            <a:avLst/>
-          </a:prstGeom>
-          <a:solidFill>
-            <a:schemeClr val="accent4">
-              <a:alpha val="50000"/>
-            </a:schemeClr>
-          </a:solidFill>
-          <a:ln>
-            <a:noFill/>
-          </a:ln>
-        </p:spPr>
-        <p:style>
-          <a:lnRef idx="0">
-            <a:scrgbClr r="0" g="0" b="0"/>
-          </a:lnRef>
-          <a:fillRef idx="0">
-            <a:scrgbClr r="0" g="0" b="0"/>
-          </a:fillRef>
-          <a:effectRef idx="0">
-            <a:scrgbClr r="0" g="0" b="0"/>
-          </a:effectRef>
-          <a:fontRef idx="minor">
-            <a:schemeClr val="lt1"/>
-          </a:fontRef>
-        </p:style>
-        <p:txBody>
-          <a:bodyPr rtlCol="0" anchor="ctr"/>
-          <a:lstStyle/>
-          <a:p>
-            <a:pPr algn="ctr"/>
-            <a:r>
-              <a:rPr lang="en-US" altLang="ko-KR" sz="1600" dirty="0"/>
-              <a:t>[R1;R2;R3]</a:t>
-            </a:r>
-          </a:p>
-          <a:p>
-            <a:pPr algn="ctr"/>
-            <a:r>
-              <a:rPr lang="en-US" altLang="ko-KR" sz="1600" dirty="0"/>
-              <a:t>R6</a:t>
-            </a:r>
-            <a:endParaRPr lang="ko-KR" altLang="en-US" sz="1600" dirty="0"/>
-          </a:p>
-        </p:txBody>
-      </p:sp>
-      <p:sp>
-        <p:nvSpPr>
-          <p:cNvPr id="30" name="직사각형 29">
-            <a:extLst>
-              <a:ext uri="{FF2B5EF4-FFF2-40B4-BE49-F238E27FC236}">
-                <a16:creationId xmlns:a16="http://schemas.microsoft.com/office/drawing/2014/main" id="{D438A902-C063-F394-7814-44C4B836C87F}"/>
-              </a:ext>
-            </a:extLst>
-          </p:cNvPr>
-          <p:cNvSpPr/>
-          <p:nvPr/>
-        </p:nvSpPr>
-        <p:spPr>
-          <a:xfrm>
-            <a:off x="7652203" y="4195082"/>
-            <a:ext cx="1103086" cy="1066431"/>
-          </a:xfrm>
-          <a:prstGeom prst="rect">
-            <a:avLst/>
-          </a:prstGeom>
-          <a:solidFill>
-            <a:schemeClr val="accent4">
-              <a:alpha val="50000"/>
-            </a:schemeClr>
-          </a:solidFill>
-          <a:ln>
-            <a:noFill/>
-          </a:ln>
-        </p:spPr>
-        <p:style>
-          <a:lnRef idx="0">
-            <a:scrgbClr r="0" g="0" b="0"/>
-          </a:lnRef>
-          <a:fillRef idx="0">
-            <a:scrgbClr r="0" g="0" b="0"/>
-          </a:fillRef>
-          <a:effectRef idx="0">
-            <a:scrgbClr r="0" g="0" b="0"/>
-          </a:effectRef>
-          <a:fontRef idx="minor">
-            <a:schemeClr val="lt1"/>
-          </a:fontRef>
-        </p:style>
-        <p:txBody>
-          <a:bodyPr rtlCol="0" anchor="ctr"/>
-          <a:lstStyle/>
-          <a:p>
-            <a:pPr algn="ctr"/>
-            <a:r>
-              <a:rPr lang="en-US" altLang="ko-KR" sz="2800" dirty="0"/>
-              <a:t>R7</a:t>
-            </a:r>
-            <a:endParaRPr lang="ko-KR" altLang="en-US" sz="2800" dirty="0"/>
-          </a:p>
-        </p:txBody>
-      </p:sp>
-      <p:cxnSp>
-        <p:nvCxnSpPr>
-          <p:cNvPr id="31" name="직선 화살표 연결선 30">
-            <a:extLst>
-              <a:ext uri="{FF2B5EF4-FFF2-40B4-BE49-F238E27FC236}">
-                <a16:creationId xmlns:a16="http://schemas.microsoft.com/office/drawing/2014/main" id="{315903F4-6290-5819-44BD-E29DC12B52CE}"/>
-              </a:ext>
-            </a:extLst>
-          </p:cNvPr>
-          <p:cNvCxnSpPr>
-            <a:cxnSpLocks/>
-            <a:stCxn id="28" idx="3"/>
-            <a:endCxn id="30" idx="1"/>
-          </p:cNvCxnSpPr>
-          <p:nvPr/>
-        </p:nvCxnSpPr>
-        <p:spPr>
-          <a:xfrm flipV="1">
-            <a:off x="6970032" y="4728298"/>
-            <a:ext cx="682171" cy="1"/>
-          </a:xfrm>
-          <a:prstGeom prst="straightConnector1">
-            <a:avLst/>
-          </a:prstGeom>
-          <a:ln w="57150" cmpd="dbl">
-            <a:solidFill>
-              <a:schemeClr val="tx1">
-                <a:lumMod val="75000"/>
-                <a:lumOff val="25000"/>
-              </a:schemeClr>
-            </a:solidFill>
-            <a:tailEnd type="triangle"/>
-          </a:ln>
-        </p:spPr>
-        <p:style>
-          <a:lnRef idx="1">
-            <a:schemeClr val="dk1"/>
-          </a:lnRef>
-          <a:fillRef idx="3">
-            <a:schemeClr val="dk1"/>
-          </a:fillRef>
-          <a:effectRef idx="2">
-            <a:schemeClr val="dk1"/>
-          </a:effectRef>
-          <a:fontRef idx="minor">
-            <a:schemeClr val="lt1"/>
-          </a:fontRef>
-        </p:style>
-      </p:cxnSp>
-      <p:sp>
-        <p:nvSpPr>
-          <p:cNvPr id="32" name="직사각형 31">
-            <a:extLst>
-              <a:ext uri="{FF2B5EF4-FFF2-40B4-BE49-F238E27FC236}">
-                <a16:creationId xmlns:a16="http://schemas.microsoft.com/office/drawing/2014/main" id="{54FE774E-D0B3-6228-F53A-C6E25BD2697C}"/>
-              </a:ext>
-            </a:extLst>
-          </p:cNvPr>
-          <p:cNvSpPr/>
-          <p:nvPr/>
-        </p:nvSpPr>
-        <p:spPr>
-          <a:xfrm>
-            <a:off x="9437460" y="4195081"/>
-            <a:ext cx="1103086" cy="1066431"/>
-          </a:xfrm>
-          <a:prstGeom prst="rect">
-            <a:avLst/>
-          </a:prstGeom>
-          <a:solidFill>
-            <a:schemeClr val="accent4">
-              <a:alpha val="50000"/>
-            </a:schemeClr>
-          </a:solidFill>
-          <a:ln>
-            <a:noFill/>
-          </a:ln>
-        </p:spPr>
-        <p:style>
-          <a:lnRef idx="0">
-            <a:scrgbClr r="0" g="0" b="0"/>
-          </a:lnRef>
-          <a:fillRef idx="0">
-            <a:scrgbClr r="0" g="0" b="0"/>
-          </a:fillRef>
-          <a:effectRef idx="0">
-            <a:scrgbClr r="0" g="0" b="0"/>
-          </a:effectRef>
-          <a:fontRef idx="minor">
-            <a:schemeClr val="lt1"/>
-          </a:fontRef>
-        </p:style>
-        <p:txBody>
-          <a:bodyPr rtlCol="0" anchor="ctr"/>
-          <a:lstStyle/>
-          <a:p>
-            <a:pPr algn="ctr"/>
-            <a:r>
-              <a:rPr lang="en-US" altLang="ko-KR" sz="2800" dirty="0"/>
-              <a:t>R8</a:t>
-            </a:r>
-            <a:endParaRPr lang="ko-KR" altLang="en-US" sz="2800" dirty="0"/>
-          </a:p>
-        </p:txBody>
-      </p:sp>
-      <p:cxnSp>
-        <p:nvCxnSpPr>
-          <p:cNvPr id="34" name="직선 화살표 연결선 33">
-            <a:extLst>
-              <a:ext uri="{FF2B5EF4-FFF2-40B4-BE49-F238E27FC236}">
-                <a16:creationId xmlns:a16="http://schemas.microsoft.com/office/drawing/2014/main" id="{BCE5F096-013D-B399-F64B-7CCA327AC07B}"/>
-              </a:ext>
-            </a:extLst>
-          </p:cNvPr>
-          <p:cNvCxnSpPr>
-            <a:cxnSpLocks/>
-            <a:stCxn id="27" idx="3"/>
-            <a:endCxn id="28" idx="1"/>
-          </p:cNvCxnSpPr>
-          <p:nvPr/>
-        </p:nvCxnSpPr>
-        <p:spPr>
-          <a:xfrm>
-            <a:off x="5184775" y="4728299"/>
-            <a:ext cx="682171" cy="0"/>
-          </a:xfrm>
-          <a:prstGeom prst="straightConnector1">
-            <a:avLst/>
-          </a:prstGeom>
-          <a:ln w="57150" cmpd="dbl">
-            <a:solidFill>
-              <a:schemeClr val="tx1">
-                <a:lumMod val="75000"/>
-                <a:lumOff val="25000"/>
-              </a:schemeClr>
-            </a:solidFill>
-            <a:prstDash val="sysDot"/>
-            <a:tailEnd type="triangle"/>
-          </a:ln>
-        </p:spPr>
-        <p:style>
-          <a:lnRef idx="1">
-            <a:schemeClr val="dk1"/>
-          </a:lnRef>
-          <a:fillRef idx="3">
-            <a:schemeClr val="dk1"/>
-          </a:fillRef>
-          <a:effectRef idx="2">
-            <a:schemeClr val="dk1"/>
-          </a:effectRef>
-          <a:fontRef idx="minor">
-            <a:schemeClr val="lt1"/>
-          </a:fontRef>
-        </p:style>
-      </p:cxnSp>
-      <p:cxnSp>
-        <p:nvCxnSpPr>
-          <p:cNvPr id="37" name="직선 화살표 연결선 36">
-            <a:extLst>
-              <a:ext uri="{FF2B5EF4-FFF2-40B4-BE49-F238E27FC236}">
-                <a16:creationId xmlns:a16="http://schemas.microsoft.com/office/drawing/2014/main" id="{B394657E-1D91-FDF8-9F12-E15F0BDFB1CC}"/>
-              </a:ext>
-            </a:extLst>
-          </p:cNvPr>
-          <p:cNvCxnSpPr>
-            <a:cxnSpLocks/>
-            <a:stCxn id="30" idx="3"/>
-            <a:endCxn id="32" idx="1"/>
-          </p:cNvCxnSpPr>
-          <p:nvPr/>
-        </p:nvCxnSpPr>
-        <p:spPr>
-          <a:xfrm flipV="1">
-            <a:off x="8755289" y="4728297"/>
-            <a:ext cx="682171" cy="1"/>
-          </a:xfrm>
-          <a:prstGeom prst="straightConnector1">
-            <a:avLst/>
-          </a:prstGeom>
-          <a:ln w="57150" cmpd="sng">
-            <a:solidFill>
-              <a:schemeClr val="tx1">
-                <a:lumMod val="75000"/>
-                <a:lumOff val="25000"/>
-              </a:schemeClr>
-            </a:solidFill>
-            <a:prstDash val="solid"/>
-            <a:headEnd type="diamond" w="med" len="med"/>
-            <a:tailEnd type="triangle" w="med" len="med"/>
-          </a:ln>
-        </p:spPr>
-        <p:style>
-          <a:lnRef idx="1">
-            <a:schemeClr val="dk1"/>
-          </a:lnRef>
-          <a:fillRef idx="3">
-            <a:schemeClr val="dk1"/>
-          </a:fillRef>
-          <a:effectRef idx="2">
-            <a:schemeClr val="dk1"/>
-          </a:effectRef>
-          <a:fontRef idx="minor">
-            <a:schemeClr val="lt1"/>
-          </a:fontRef>
-        </p:style>
-      </p:cxnSp>
-      <p:cxnSp>
-        <p:nvCxnSpPr>
-          <p:cNvPr id="41" name="직선 화살표 연결선 40">
-            <a:extLst>
-              <a:ext uri="{FF2B5EF4-FFF2-40B4-BE49-F238E27FC236}">
-                <a16:creationId xmlns:a16="http://schemas.microsoft.com/office/drawing/2014/main" id="{FCBA2FDB-59E5-E024-DDAB-2BE44772FB35}"/>
-              </a:ext>
-            </a:extLst>
-          </p:cNvPr>
-          <p:cNvCxnSpPr>
-            <a:cxnSpLocks/>
-            <a:stCxn id="6" idx="2"/>
-            <a:endCxn id="28" idx="0"/>
-          </p:cNvCxnSpPr>
-          <p:nvPr/>
-        </p:nvCxnSpPr>
-        <p:spPr>
-          <a:xfrm>
-            <a:off x="5765346" y="3270788"/>
-            <a:ext cx="653143" cy="924295"/>
-          </a:xfrm>
-          <a:prstGeom prst="straightConnector1">
-            <a:avLst/>
-          </a:prstGeom>
-          <a:ln w="57150" cmpd="sng">
-            <a:solidFill>
-              <a:schemeClr val="tx1">
-                <a:lumMod val="75000"/>
-                <a:lumOff val="25000"/>
-              </a:schemeClr>
-            </a:solidFill>
-            <a:prstDash val="sysDash"/>
-            <a:headEnd type="triangle" w="med" len="med"/>
-            <a:tailEnd type="triangle" w="med" len="med"/>
-          </a:ln>
-        </p:spPr>
-        <p:style>
-          <a:lnRef idx="1">
-            <a:schemeClr val="dk1"/>
-          </a:lnRef>
-          <a:fillRef idx="3">
-            <a:schemeClr val="dk1"/>
-          </a:fillRef>
-          <a:effectRef idx="2">
-            <a:schemeClr val="dk1"/>
-          </a:effectRef>
-          <a:fontRef idx="minor">
-            <a:schemeClr val="lt1"/>
-          </a:fontRef>
-        </p:style>
-      </p:cxnSp>
-      <p:sp>
-        <p:nvSpPr>
-          <p:cNvPr id="7" name="TextBox 6">
-            <a:extLst>
-              <a:ext uri="{FF2B5EF4-FFF2-40B4-BE49-F238E27FC236}">
-                <a16:creationId xmlns:a16="http://schemas.microsoft.com/office/drawing/2014/main" id="{0DAC20DB-038A-2294-B285-E3467F603CFA}"/>
-              </a:ext>
-            </a:extLst>
-          </p:cNvPr>
-          <p:cNvSpPr txBox="1"/>
-          <p:nvPr/>
-        </p:nvSpPr>
-        <p:spPr>
-          <a:xfrm>
-            <a:off x="740444" y="5400014"/>
-            <a:ext cx="1588192" cy="646331"/>
-          </a:xfrm>
-          <a:prstGeom prst="rect">
-            <a:avLst/>
-          </a:prstGeom>
-          <a:noFill/>
-        </p:spPr>
-        <p:txBody>
-          <a:bodyPr wrap="none" rtlCol="0">
-            <a:spAutoFit/>
-          </a:bodyPr>
-          <a:lstStyle/>
-          <a:p>
-            <a:r>
-              <a:rPr lang="en-US" altLang="ko-KR" dirty="0"/>
-              <a:t>[safetyVertex]</a:t>
-            </a:r>
-          </a:p>
-          <a:p>
-            <a:pPr algn="ctr"/>
-            <a:r>
-              <a:rPr lang="en-US" altLang="ko-KR" dirty="0"/>
-              <a:t>Vertex</a:t>
-            </a:r>
-          </a:p>
-        </p:txBody>
-      </p:sp>
-      <p:sp>
-        <p:nvSpPr>
-          <p:cNvPr id="10" name="TextBox 9">
-            <a:extLst>
-              <a:ext uri="{FF2B5EF4-FFF2-40B4-BE49-F238E27FC236}">
-                <a16:creationId xmlns:a16="http://schemas.microsoft.com/office/drawing/2014/main" id="{8E2FD1D8-0514-90A8-E342-EB959215E3D0}"/>
-              </a:ext>
-            </a:extLst>
-          </p:cNvPr>
-          <p:cNvSpPr txBox="1"/>
-          <p:nvPr/>
-        </p:nvSpPr>
-        <p:spPr>
-          <a:xfrm>
-            <a:off x="2209346" y="5538513"/>
-            <a:ext cx="6096000" cy="369332"/>
-          </a:xfrm>
-          <a:prstGeom prst="rect">
-            <a:avLst/>
-          </a:prstGeom>
-          <a:noFill/>
-        </p:spPr>
-        <p:txBody>
-          <a:bodyPr wrap="square">
-            <a:spAutoFit/>
-          </a:bodyPr>
-          <a:lstStyle/>
-          <a:p>
-            <a:pPr algn="ctr"/>
-            <a:r>
-              <a:rPr lang="en-US" altLang="ko-KR" dirty="0"/>
-              <a:t>safety</a:t>
-            </a:r>
-            <a:r>
-              <a:rPr lang="ko-KR" altLang="en-US" dirty="0"/>
-              <a:t>는 이름 앞에 </a:t>
-            </a:r>
-            <a:r>
-              <a:rPr lang="en-US" altLang="ko-KR" dirty="0"/>
-              <a:t>“ [] “ </a:t>
-            </a:r>
-            <a:r>
-              <a:rPr lang="ko-KR" altLang="en-US" dirty="0"/>
-              <a:t>규격으로 작성한다</a:t>
-            </a:r>
-            <a:r>
-              <a:rPr lang="en-US" altLang="ko-KR" dirty="0"/>
-              <a:t>.</a:t>
-            </a:r>
-            <a:endParaRPr lang="ko-KR" altLang="en-US" dirty="0"/>
-          </a:p>
-        </p:txBody>
-      </p:sp>
-      <p:sp>
-        <p:nvSpPr>
-          <p:cNvPr id="11" name="TextBox 10">
-            <a:extLst>
-              <a:ext uri="{FF2B5EF4-FFF2-40B4-BE49-F238E27FC236}">
-                <a16:creationId xmlns:a16="http://schemas.microsoft.com/office/drawing/2014/main" id="{232B4F6F-DE44-A9C1-9AB5-E944AE837351}"/>
-              </a:ext>
-            </a:extLst>
-          </p:cNvPr>
-          <p:cNvSpPr txBox="1"/>
-          <p:nvPr/>
-        </p:nvSpPr>
-        <p:spPr>
-          <a:xfrm>
-            <a:off x="740444" y="6139642"/>
-            <a:ext cx="2803973" cy="646331"/>
-          </a:xfrm>
-          <a:prstGeom prst="rect">
-            <a:avLst/>
-          </a:prstGeom>
-          <a:noFill/>
-        </p:spPr>
-        <p:txBody>
-          <a:bodyPr wrap="none" rtlCol="0">
-            <a:spAutoFit/>
-          </a:bodyPr>
-          <a:lstStyle/>
-          <a:p>
-            <a:r>
-              <a:rPr lang="en-US" altLang="ko-KR" dirty="0"/>
-              <a:t>[safety1; safety2; safety3]</a:t>
-            </a:r>
-          </a:p>
-          <a:p>
-            <a:pPr algn="ctr"/>
-            <a:r>
-              <a:rPr lang="en-US" altLang="ko-KR" dirty="0"/>
-              <a:t>Vertex</a:t>
-            </a:r>
-          </a:p>
-        </p:txBody>
-      </p:sp>
-      <p:sp>
-        <p:nvSpPr>
-          <p:cNvPr id="13" name="TextBox 12">
-            <a:extLst>
-              <a:ext uri="{FF2B5EF4-FFF2-40B4-BE49-F238E27FC236}">
-                <a16:creationId xmlns:a16="http://schemas.microsoft.com/office/drawing/2014/main" id="{AA4DBB6A-28A3-315A-94B4-DD1AB6B0AF57}"/>
-              </a:ext>
-            </a:extLst>
-          </p:cNvPr>
-          <p:cNvSpPr txBox="1"/>
-          <p:nvPr/>
-        </p:nvSpPr>
-        <p:spPr>
-          <a:xfrm>
-            <a:off x="3653517" y="6278140"/>
-            <a:ext cx="6096000" cy="369332"/>
-          </a:xfrm>
-          <a:prstGeom prst="rect">
-            <a:avLst/>
-          </a:prstGeom>
-          <a:noFill/>
-        </p:spPr>
-        <p:txBody>
-          <a:bodyPr wrap="square">
-            <a:spAutoFit/>
-          </a:bodyPr>
-          <a:lstStyle/>
-          <a:p>
-            <a:pPr algn="ctr"/>
-            <a:r>
-              <a:rPr lang="en-US" altLang="ko-KR" dirty="0"/>
-              <a:t>safety “ ; “ </a:t>
-            </a:r>
-            <a:r>
-              <a:rPr lang="ko-KR" altLang="en-US" dirty="0"/>
-              <a:t>를 이용하여 복수 조건도 입력가능</a:t>
-            </a:r>
-          </a:p>
-        </p:txBody>
-      </p:sp>
-      <p:sp>
-        <p:nvSpPr>
-          <p:cNvPr id="9" name="직사각형 8">
-            <a:extLst>
-              <a:ext uri="{FF2B5EF4-FFF2-40B4-BE49-F238E27FC236}">
-                <a16:creationId xmlns:a16="http://schemas.microsoft.com/office/drawing/2014/main" id="{65FC1B06-CCD3-9858-67ED-B0A6DADE0099}"/>
-              </a:ext>
-            </a:extLst>
-          </p:cNvPr>
-          <p:cNvSpPr/>
-          <p:nvPr/>
-        </p:nvSpPr>
-        <p:spPr>
-          <a:xfrm>
-            <a:off x="2491991" y="1627833"/>
-            <a:ext cx="7918101" cy="4511809"/>
-          </a:xfrm>
-          <a:prstGeom prst="rect">
-            <a:avLst/>
-          </a:prstGeom>
-        </p:spPr>
-        <p:style>
-          <a:lnRef idx="2">
-            <a:schemeClr val="accent1">
-              <a:shade val="15000"/>
-            </a:schemeClr>
-          </a:lnRef>
-          <a:fillRef idx="1">
-            <a:schemeClr val="accent1"/>
-          </a:fillRef>
-          <a:effectRef idx="0">
-            <a:schemeClr val="accent1"/>
-          </a:effectRef>
-          <a:fontRef idx="minor">
-            <a:schemeClr val="lt1"/>
-          </a:fontRef>
-        </p:style>
-        <p:txBody>
-          <a:bodyPr rtlCol="0" anchor="ctr"/>
-          <a:lstStyle/>
-          <a:p>
-            <a:pPr algn="ctr"/>
-            <a:r>
-              <a:rPr lang="en-US" altLang="ko-KR" dirty="0"/>
-              <a:t>Satiety Job</a:t>
-            </a:r>
-            <a:r>
-              <a:rPr lang="ko-KR" altLang="en-US" dirty="0"/>
-              <a:t>만 적용</a:t>
-            </a:r>
-          </a:p>
-        </p:txBody>
-      </p:sp>
-    </p:spTree>
-    <p:extLst>
-      <p:ext uri="{BB962C8B-B14F-4D97-AF65-F5344CB8AC3E}">
-        <p14:creationId xmlns:p14="http://schemas.microsoft.com/office/powerpoint/2010/main" val="3283676929"/>
-      </p:ext>
-    </p:extLst>
-  </p:cSld>
-  <p:clrMapOvr>
-    <a:masterClrMapping/>
-  </p:clrMapOvr>
-</p:sld>
-</file>
-
-<file path=ppt/slides/slide3.xml><?xml version="1.0" encoding="utf-8"?>
 <p:sld xmlns:a="http://schemas.openxmlformats.org/drawingml/2006/main" xmlns:r="http://schemas.openxmlformats.org/officeDocument/2006/relationships" xmlns:p="http://schemas.openxmlformats.org/presentationml/2006/main">
   <p:cSld>
     <p:spTree>

--- a/DsDotNet/src/UnitTest/UnitTest.Model/ImportOfficeExample/ppt/T8_Safety.pptx
+++ b/DsDotNet/src/UnitTest/UnitTest.Model/ImportOfficeExample/ppt/T8_Safety.pptx
@@ -755,7 +755,7 @@
           <a:effectLst/>
           <a:extLst>
             <a:ext uri="{91240B29-F687-4f45-9708-019B960494DF}">
-              <a14:hiddenLine xmlns="" xmlns:a14="http://schemas.microsoft.com/office/drawing/2010/main" w="9525">
+              <a14:hiddenLine xmlns:a14="http://schemas.microsoft.com/office/drawing/2010/main" xmlns="" w="9525">
                 <a:solidFill>
                   <a:srgbClr val="000000"/>
                 </a:solidFill>
@@ -2277,7 +2277,7 @@
           <a:ln/>
           <a:extLst>
             <a:ext uri="{91240B29-F687-4f45-9708-019B960494DF}">
-              <a14:hiddenLine xmlns="" xmlns:a14="http://schemas.microsoft.com/office/drawing/2010/main" w="9525">
+              <a14:hiddenLine xmlns:a14="http://schemas.microsoft.com/office/drawing/2010/main" xmlns="" w="9525">
                 <a:solidFill>
                   <a:srgbClr val="000000"/>
                 </a:solidFill>
@@ -2552,7 +2552,7 @@
           <a:ln/>
           <a:extLst>
             <a:ext uri="{91240B29-F687-4f45-9708-019B960494DF}">
-              <a14:hiddenLine xmlns="" xmlns:a14="http://schemas.microsoft.com/office/drawing/2010/main" w="9525">
+              <a14:hiddenLine xmlns:a14="http://schemas.microsoft.com/office/drawing/2010/main" xmlns="" w="9525">
                 <a:solidFill>
                   <a:srgbClr val="000000"/>
                 </a:solidFill>
@@ -2953,7 +2953,7 @@
           <a:ln/>
           <a:extLst>
             <a:ext uri="{91240B29-F687-4f45-9708-019B960494DF}">
-              <a14:hiddenLine xmlns="" xmlns:a14="http://schemas.microsoft.com/office/drawing/2010/main" w="9525">
+              <a14:hiddenLine xmlns:a14="http://schemas.microsoft.com/office/drawing/2010/main" xmlns="" w="9525">
                 <a:solidFill>
                   <a:srgbClr val="000000"/>
                 </a:solidFill>
@@ -3579,7 +3579,7 @@
           <a:ln/>
           <a:extLst>
             <a:ext uri="{91240B29-F687-4f45-9708-019B960494DF}">
-              <a14:hiddenLine xmlns="" xmlns:a14="http://schemas.microsoft.com/office/drawing/2010/main" w="9525">
+              <a14:hiddenLine xmlns:a14="http://schemas.microsoft.com/office/drawing/2010/main" xmlns="" w="9525">
                 <a:solidFill>
                   <a:srgbClr val="000000"/>
                 </a:solidFill>
@@ -3918,7 +3918,7 @@
           <a:ln/>
           <a:extLst>
             <a:ext uri="{91240B29-F687-4f45-9708-019B960494DF}">
-              <a14:hiddenLine xmlns="" xmlns:a14="http://schemas.microsoft.com/office/drawing/2010/main" w="9525">
+              <a14:hiddenLine xmlns:a14="http://schemas.microsoft.com/office/drawing/2010/main" xmlns="" w="9525">
                 <a:solidFill>
                   <a:srgbClr val="000000"/>
                 </a:solidFill>
@@ -4603,7 +4603,7 @@
           <a:ln/>
           <a:extLst>
             <a:ext uri="{91240B29-F687-4f45-9708-019B960494DF}">
-              <a14:hiddenLine xmlns="" xmlns:a14="http://schemas.microsoft.com/office/drawing/2010/main" w="9525">
+              <a14:hiddenLine xmlns:a14="http://schemas.microsoft.com/office/drawing/2010/main" xmlns="" w="9525">
                 <a:solidFill>
                   <a:srgbClr val="000000"/>
                 </a:solidFill>
@@ -6087,10 +6087,10 @@
       </p:cxnSp>
       <p:grpSp>
         <p:nvGrpSpPr>
-          <p:cNvPr id="8" name="그룹 7">
+          <p:cNvPr id="10" name="그룹 9">
             <a:extLst>
               <a:ext uri="{FF2B5EF4-FFF2-40B4-BE49-F238E27FC236}">
-                <a16:creationId xmlns:a16="http://schemas.microsoft.com/office/drawing/2014/main" id="{E4E86703-9197-722D-B1EF-887463109F89}"/>
+                <a16:creationId xmlns:a16="http://schemas.microsoft.com/office/drawing/2014/main" id="{431E77CA-7604-D193-EF60-5A174C19760F}"/>
               </a:ext>
             </a:extLst>
           </p:cNvPr>
@@ -6101,7 +6101,7 @@
           <a:xfrm>
             <a:off x="1467355" y="2428190"/>
             <a:ext cx="5724526" cy="3590925"/>
-            <a:chOff x="848416" y="1962150"/>
+            <a:chOff x="1467355" y="2428190"/>
             <a:chExt cx="5724526" cy="3590925"/>
           </a:xfrm>
         </p:grpSpPr>
@@ -6119,7 +6119,7 @@
           </p:nvSpPr>
           <p:spPr>
             <a:xfrm>
-              <a:off x="848416" y="1962150"/>
+              <a:off x="1467355" y="2428190"/>
               <a:ext cx="5724526" cy="3590925"/>
             </a:xfrm>
             <a:prstGeom prst="rect">
@@ -6169,196 +6169,175 @@
             </a:p>
           </p:txBody>
         </p:sp>
-        <p:grpSp>
-          <p:nvGrpSpPr>
-            <p:cNvPr id="3" name="그룹 2">
+        <p:sp>
+          <p:nvSpPr>
+            <p:cNvPr id="11" name="타원 10">
               <a:extLst>
                 <a:ext uri="{FF2B5EF4-FFF2-40B4-BE49-F238E27FC236}">
-                  <a16:creationId xmlns:a16="http://schemas.microsoft.com/office/drawing/2014/main" id="{217DAACF-5BCB-5A30-66B8-057CF83D7D6F}"/>
+                  <a16:creationId xmlns:a16="http://schemas.microsoft.com/office/drawing/2014/main" id="{A8DEAF01-6D94-28CA-7567-1D6E7A30C46B}"/>
                 </a:ext>
               </a:extLst>
             </p:cNvPr>
-            <p:cNvGrpSpPr/>
+            <p:cNvSpPr/>
             <p:nvPr/>
-          </p:nvGrpSpPr>
-          <p:grpSpPr>
+          </p:nvSpPr>
+          <p:spPr>
             <a:xfrm>
-              <a:off x="1259923" y="2231892"/>
-              <a:ext cx="4544732" cy="2980188"/>
-              <a:chOff x="1165808" y="2226636"/>
-              <a:chExt cx="4625393" cy="3553535"/>
+              <a:off x="1878862" y="2697932"/>
+              <a:ext cx="1703319" cy="798819"/>
             </a:xfrm>
-          </p:grpSpPr>
-          <p:sp>
-            <p:nvSpPr>
-              <p:cNvPr id="11" name="타원 10">
-                <a:extLst>
-                  <a:ext uri="{FF2B5EF4-FFF2-40B4-BE49-F238E27FC236}">
-                    <a16:creationId xmlns:a16="http://schemas.microsoft.com/office/drawing/2014/main" id="{A8DEAF01-6D94-28CA-7567-1D6E7A30C46B}"/>
-                  </a:ext>
-                </a:extLst>
-              </p:cNvPr>
-              <p:cNvSpPr/>
-              <p:nvPr/>
-            </p:nvSpPr>
-            <p:spPr>
-              <a:xfrm>
-                <a:off x="1165808" y="2226636"/>
-                <a:ext cx="1733550" cy="952501"/>
-              </a:xfrm>
-              <a:prstGeom prst="ellipse">
-                <a:avLst/>
-              </a:prstGeom>
-              <a:solidFill>
-                <a:schemeClr val="accent4">
-                  <a:alpha val="50000"/>
-                </a:schemeClr>
-              </a:solidFill>
-              <a:ln>
-                <a:noFill/>
-              </a:ln>
-            </p:spPr>
-            <p:style>
-              <a:lnRef idx="0">
-                <a:scrgbClr r="0" g="0" b="0"/>
-              </a:lnRef>
-              <a:fillRef idx="0">
-                <a:scrgbClr r="0" g="0" b="0"/>
-              </a:fillRef>
-              <a:effectRef idx="0">
-                <a:scrgbClr r="0" g="0" b="0"/>
-              </a:effectRef>
-              <a:fontRef idx="minor">
-                <a:schemeClr val="lt1"/>
-              </a:fontRef>
-            </p:style>
-            <p:txBody>
-              <a:bodyPr rtlCol="0" anchor="ctr"/>
-              <a:lstStyle/>
-              <a:p>
-                <a:pPr algn="ctr"/>
-                <a:r>
-                  <a:rPr lang="en-US" altLang="ko-KR" dirty="0"/>
-                  <a:t>SysB</a:t>
-                </a:r>
-              </a:p>
-              <a:p>
-                <a:pPr algn="ctr"/>
-                <a:r>
-                  <a:rPr lang="en-US" altLang="ko-KR" dirty="0"/>
-                  <a:t>.Func1</a:t>
-                </a:r>
-                <a:endParaRPr lang="ko-KR" altLang="en-US" dirty="0"/>
-              </a:p>
-            </p:txBody>
-          </p:sp>
-          <p:sp>
-            <p:nvSpPr>
-              <p:cNvPr id="12" name="타원 11">
-                <a:extLst>
-                  <a:ext uri="{FF2B5EF4-FFF2-40B4-BE49-F238E27FC236}">
-                    <a16:creationId xmlns:a16="http://schemas.microsoft.com/office/drawing/2014/main" id="{97830B60-D108-9F85-29FC-869E4BDC5485}"/>
-                  </a:ext>
-                </a:extLst>
-              </p:cNvPr>
-              <p:cNvSpPr/>
-              <p:nvPr/>
-            </p:nvSpPr>
-            <p:spPr>
-              <a:xfrm>
-                <a:off x="1721517" y="3971925"/>
-                <a:ext cx="4069684" cy="1808246"/>
-              </a:xfrm>
-              <a:prstGeom prst="ellipse">
-                <a:avLst/>
-              </a:prstGeom>
-              <a:solidFill>
-                <a:schemeClr val="accent4">
-                  <a:alpha val="50000"/>
-                </a:schemeClr>
-              </a:solidFill>
-              <a:ln>
-                <a:noFill/>
-              </a:ln>
-            </p:spPr>
-            <p:style>
-              <a:lnRef idx="0">
-                <a:scrgbClr r="0" g="0" b="0"/>
-              </a:lnRef>
-              <a:fillRef idx="0">
-                <a:scrgbClr r="0" g="0" b="0"/>
-              </a:fillRef>
-              <a:effectRef idx="0">
-                <a:scrgbClr r="0" g="0" b="0"/>
-              </a:effectRef>
-              <a:fontRef idx="minor">
-                <a:schemeClr val="lt1"/>
-              </a:fontRef>
-            </p:style>
-            <p:txBody>
-              <a:bodyPr rtlCol="0" anchor="ctr"/>
-              <a:lstStyle/>
-              <a:p>
-                <a:pPr algn="ctr"/>
-                <a:r>
-                  <a:rPr lang="en-US" altLang="ko-KR" sz="2000" dirty="0"/>
-                  <a:t>[SysB.Func1]</a:t>
-                </a:r>
-              </a:p>
-              <a:p>
-                <a:pPr algn="ctr"/>
-                <a:r>
-                  <a:rPr lang="en-US" altLang="ko-KR" sz="2000" dirty="0"/>
-                  <a:t>SysB.Func2</a:t>
-                </a:r>
-                <a:endParaRPr lang="ko-KR" altLang="en-US" sz="2000" dirty="0"/>
-              </a:p>
-            </p:txBody>
-          </p:sp>
-          <p:cxnSp>
-            <p:nvCxnSpPr>
-              <p:cNvPr id="14" name="연결선: 꺾임 13">
-                <a:extLst>
-                  <a:ext uri="{FF2B5EF4-FFF2-40B4-BE49-F238E27FC236}">
-                    <a16:creationId xmlns:a16="http://schemas.microsoft.com/office/drawing/2014/main" id="{AA5A9BF2-AF58-9F27-CB69-91D64393C28C}"/>
-                  </a:ext>
-                </a:extLst>
-              </p:cNvPr>
-              <p:cNvCxnSpPr>
-                <a:cxnSpLocks/>
-                <a:stCxn id="11" idx="5"/>
-                <a:endCxn id="12" idx="0"/>
-              </p:cNvCxnSpPr>
-              <p:nvPr/>
-            </p:nvCxnSpPr>
-            <p:spPr>
-              <a:xfrm rot="16200000" flipH="1">
-                <a:off x="2734782" y="2950349"/>
-                <a:ext cx="932279" cy="1110873"/>
-              </a:xfrm>
-              <a:prstGeom prst="bentConnector3">
-                <a:avLst/>
-              </a:prstGeom>
-              <a:ln>
-                <a:tailEnd type="triangle"/>
-              </a:ln>
-            </p:spPr>
-            <p:style>
-              <a:lnRef idx="1">
-                <a:schemeClr val="accent4"/>
-              </a:lnRef>
-              <a:fillRef idx="0">
-                <a:schemeClr val="accent4"/>
-              </a:fillRef>
-              <a:effectRef idx="0">
-                <a:schemeClr val="accent4"/>
-              </a:effectRef>
-              <a:fontRef idx="minor">
-                <a:schemeClr val="tx1"/>
-              </a:fontRef>
-            </p:style>
-          </p:cxnSp>
-        </p:grpSp>
+            <a:prstGeom prst="ellipse">
+              <a:avLst/>
+            </a:prstGeom>
+            <a:solidFill>
+              <a:schemeClr val="accent4">
+                <a:alpha val="50000"/>
+              </a:schemeClr>
+            </a:solidFill>
+            <a:ln>
+              <a:noFill/>
+            </a:ln>
+          </p:spPr>
+          <p:style>
+            <a:lnRef idx="0">
+              <a:scrgbClr r="0" g="0" b="0"/>
+            </a:lnRef>
+            <a:fillRef idx="0">
+              <a:scrgbClr r="0" g="0" b="0"/>
+            </a:fillRef>
+            <a:effectRef idx="0">
+              <a:scrgbClr r="0" g="0" b="0"/>
+            </a:effectRef>
+            <a:fontRef idx="minor">
+              <a:schemeClr val="lt1"/>
+            </a:fontRef>
+          </p:style>
+          <p:txBody>
+            <a:bodyPr rtlCol="0" anchor="ctr"/>
+            <a:lstStyle/>
+            <a:p>
+              <a:pPr algn="ctr"/>
+              <a:r>
+                <a:rPr lang="en-US" altLang="ko-KR" dirty="0"/>
+                <a:t>SysB</a:t>
+              </a:r>
+            </a:p>
+            <a:p>
+              <a:pPr algn="ctr"/>
+              <a:r>
+                <a:rPr lang="en-US" altLang="ko-KR" dirty="0"/>
+                <a:t>.Func1</a:t>
+              </a:r>
+              <a:endParaRPr lang="ko-KR" altLang="en-US" dirty="0"/>
+            </a:p>
+          </p:txBody>
+        </p:sp>
+        <p:sp>
+          <p:nvSpPr>
+            <p:cNvPr id="12" name="타원 11">
+              <a:extLst>
+                <a:ext uri="{FF2B5EF4-FFF2-40B4-BE49-F238E27FC236}">
+                  <a16:creationId xmlns:a16="http://schemas.microsoft.com/office/drawing/2014/main" id="{97830B60-D108-9F85-29FC-869E4BDC5485}"/>
+                </a:ext>
+              </a:extLst>
+            </p:cNvPr>
+            <p:cNvSpPr/>
+            <p:nvPr/>
+          </p:nvSpPr>
+          <p:spPr>
+            <a:xfrm>
+              <a:off x="2424880" y="4161626"/>
+              <a:ext cx="3998714" cy="1516494"/>
+            </a:xfrm>
+            <a:prstGeom prst="ellipse">
+              <a:avLst/>
+            </a:prstGeom>
+            <a:solidFill>
+              <a:schemeClr val="accent4">
+                <a:alpha val="50000"/>
+              </a:schemeClr>
+            </a:solidFill>
+            <a:ln>
+              <a:noFill/>
+            </a:ln>
+          </p:spPr>
+          <p:style>
+            <a:lnRef idx="0">
+              <a:scrgbClr r="0" g="0" b="0"/>
+            </a:lnRef>
+            <a:fillRef idx="0">
+              <a:scrgbClr r="0" g="0" b="0"/>
+            </a:fillRef>
+            <a:effectRef idx="0">
+              <a:scrgbClr r="0" g="0" b="0"/>
+            </a:effectRef>
+            <a:fontRef idx="minor">
+              <a:schemeClr val="lt1"/>
+            </a:fontRef>
+          </p:style>
+          <p:txBody>
+            <a:bodyPr rtlCol="0" anchor="ctr"/>
+            <a:lstStyle/>
+            <a:p>
+              <a:pPr algn="ctr"/>
+              <a:r>
+                <a:rPr lang="en-US" altLang="ko-KR" sz="2000" dirty="0"/>
+                <a:t>[SysB.Func1]</a:t>
+              </a:r>
+            </a:p>
+            <a:p>
+              <a:pPr algn="ctr"/>
+              <a:r>
+                <a:rPr lang="en-US" altLang="ko-KR" sz="2000" dirty="0"/>
+                <a:t>SysB.Func2</a:t>
+              </a:r>
+              <a:endParaRPr lang="ko-KR" altLang="en-US" sz="2000" dirty="0"/>
+            </a:p>
+          </p:txBody>
+        </p:sp>
+        <p:cxnSp>
+          <p:nvCxnSpPr>
+            <p:cNvPr id="14" name="연결선: 꺾임 13">
+              <a:extLst>
+                <a:ext uri="{FF2B5EF4-FFF2-40B4-BE49-F238E27FC236}">
+                  <a16:creationId xmlns:a16="http://schemas.microsoft.com/office/drawing/2014/main" id="{AA5A9BF2-AF58-9F27-CB69-91D64393C28C}"/>
+                </a:ext>
+              </a:extLst>
+            </p:cNvPr>
+            <p:cNvCxnSpPr>
+              <a:cxnSpLocks/>
+              <a:stCxn id="11" idx="5"/>
+              <a:endCxn id="12" idx="0"/>
+            </p:cNvCxnSpPr>
+            <p:nvPr/>
+          </p:nvCxnSpPr>
+          <p:spPr>
+            <a:xfrm rot="16200000" flipH="1">
+              <a:off x="3487556" y="3224946"/>
+              <a:ext cx="781860" cy="1091501"/>
+            </a:xfrm>
+            <a:prstGeom prst="bentConnector3">
+              <a:avLst/>
+            </a:prstGeom>
+            <a:ln>
+              <a:tailEnd type="triangle"/>
+            </a:ln>
+          </p:spPr>
+          <p:style>
+            <a:lnRef idx="1">
+              <a:schemeClr val="accent4"/>
+            </a:lnRef>
+            <a:fillRef idx="0">
+              <a:schemeClr val="accent4"/>
+            </a:fillRef>
+            <a:effectRef idx="0">
+              <a:schemeClr val="accent4"/>
+            </a:effectRef>
+            <a:fontRef idx="minor">
+              <a:schemeClr val="tx1"/>
+            </a:fontRef>
+          </p:style>
+        </p:cxnSp>
       </p:grpSp>
       <p:sp>
         <p:nvSpPr>

--- a/DsDotNet/src/UnitTest/UnitTest.Model/ImportOfficeExample/ppt/T8_Safety.pptx
+++ b/DsDotNet/src/UnitTest/UnitTest.Model/ImportOfficeExample/ppt/T8_Safety.pptx
@@ -216,7 +216,7 @@
           <a:p>
             <a:fld id="{DD503887-5801-43A0-AEF9-041E8DDC2558}" type="datetimeFigureOut">
               <a:rPr lang="ko-KR" altLang="en-US" smtClean="0"/>
-              <a:t>2024-03-13</a:t>
+              <a:t>2024-08-14</a:t>
             </a:fld>
             <a:endParaRPr lang="ko-KR" altLang="en-US"/>
           </a:p>
@@ -393,7 +393,7 @@
           <a:p>
             <a:fld id="{95336A0E-57B1-4D4C-BD9B-2F72B5943464}" type="datetimeFigureOut">
               <a:rPr lang="ko-KR" altLang="en-US" smtClean="0"/>
-              <a:t>2024-03-13</a:t>
+              <a:t>2024-08-14</a:t>
             </a:fld>
             <a:endParaRPr lang="ko-KR" altLang="en-US"/>
           </a:p>
@@ -947,7 +947,7 @@
           <a:p>
             <a:fld id="{DEA6EBF0-8E22-42A7-9BEA-2AC7066E6498}" type="datetimeFigureOut">
               <a:rPr lang="ko-KR" altLang="en-US" smtClean="0"/>
-              <a:t>2024-03-13</a:t>
+              <a:t>2024-08-14</a:t>
             </a:fld>
             <a:endParaRPr lang="ko-KR" altLang="en-US"/>
           </a:p>
@@ -1265,7 +1265,7 @@
           <a:p>
             <a:fld id="{DEA6EBF0-8E22-42A7-9BEA-2AC7066E6498}" type="datetimeFigureOut">
               <a:rPr lang="ko-KR" altLang="en-US" smtClean="0"/>
-              <a:t>2024-03-13</a:t>
+              <a:t>2024-08-14</a:t>
             </a:fld>
             <a:endParaRPr lang="ko-KR" altLang="en-US"/>
           </a:p>
@@ -1753,7 +1753,7 @@
           <a:p>
             <a:fld id="{DEA6EBF0-8E22-42A7-9BEA-2AC7066E6498}" type="datetimeFigureOut">
               <a:rPr lang="ko-KR" altLang="en-US" smtClean="0"/>
-              <a:t>2024-03-13</a:t>
+              <a:t>2024-08-14</a:t>
             </a:fld>
             <a:endParaRPr lang="ko-KR" altLang="en-US"/>
           </a:p>
@@ -2122,7 +2122,7 @@
           <a:p>
             <a:fld id="{DEA6EBF0-8E22-42A7-9BEA-2AC7066E6498}" type="datetimeFigureOut">
               <a:rPr lang="ko-KR" altLang="en-US" smtClean="0"/>
-              <a:t>2024-03-13</a:t>
+              <a:t>2024-08-14</a:t>
             </a:fld>
             <a:endParaRPr lang="ko-KR" altLang="en-US"/>
           </a:p>
@@ -2395,7 +2395,7 @@
           <a:p>
             <a:fld id="{DEA6EBF0-8E22-42A7-9BEA-2AC7066E6498}" type="datetimeFigureOut">
               <a:rPr lang="ko-KR" altLang="en-US" smtClean="0"/>
-              <a:t>2024-03-13</a:t>
+              <a:t>2024-08-14</a:t>
             </a:fld>
             <a:endParaRPr lang="ko-KR" altLang="en-US"/>
           </a:p>
@@ -2680,7 +2680,7 @@
           <a:p>
             <a:fld id="{DEA6EBF0-8E22-42A7-9BEA-2AC7066E6498}" type="datetimeFigureOut">
               <a:rPr lang="ko-KR" altLang="en-US" smtClean="0"/>
-              <a:t>2024-03-13</a:t>
+              <a:t>2024-08-14</a:t>
             </a:fld>
             <a:endParaRPr lang="ko-KR" altLang="en-US"/>
           </a:p>
@@ -2798,7 +2798,7 @@
           <a:p>
             <a:fld id="{DEA6EBF0-8E22-42A7-9BEA-2AC7066E6498}" type="datetimeFigureOut">
               <a:rPr lang="ko-KR" altLang="en-US" smtClean="0"/>
-              <a:t>2024-03-13</a:t>
+              <a:t>2024-08-14</a:t>
             </a:fld>
             <a:endParaRPr lang="ko-KR" altLang="en-US"/>
           </a:p>
@@ -3081,7 +3081,7 @@
           <a:p>
             <a:fld id="{DEA6EBF0-8E22-42A7-9BEA-2AC7066E6498}" type="datetimeFigureOut">
               <a:rPr lang="ko-KR" altLang="en-US" smtClean="0"/>
-              <a:t>2024-03-13</a:t>
+              <a:t>2024-08-14</a:t>
             </a:fld>
             <a:endParaRPr lang="ko-KR" altLang="en-US"/>
           </a:p>
@@ -3424,7 +3424,7 @@
           <a:p>
             <a:fld id="{DEA6EBF0-8E22-42A7-9BEA-2AC7066E6498}" type="datetimeFigureOut">
               <a:rPr lang="ko-KR" altLang="en-US" smtClean="0"/>
-              <a:t>2024-03-13</a:t>
+              <a:t>2024-08-14</a:t>
             </a:fld>
             <a:endParaRPr lang="ko-KR" altLang="en-US"/>
           </a:p>
@@ -3763,7 +3763,7 @@
           <a:p>
             <a:fld id="{DEA6EBF0-8E22-42A7-9BEA-2AC7066E6498}" type="datetimeFigureOut">
               <a:rPr lang="ko-KR" altLang="en-US" smtClean="0"/>
-              <a:t>2024-03-13</a:t>
+              <a:t>2024-08-14</a:t>
             </a:fld>
             <a:endParaRPr lang="ko-KR" altLang="en-US"/>
           </a:p>
@@ -4240,7 +4240,7 @@
           <a:p>
             <a:fld id="{DEA6EBF0-8E22-42A7-9BEA-2AC7066E6498}" type="datetimeFigureOut">
               <a:rPr lang="ko-KR" altLang="en-US" smtClean="0"/>
-              <a:t>2024-03-13</a:t>
+              <a:t>2024-08-14</a:t>
             </a:fld>
             <a:endParaRPr lang="ko-KR" altLang="en-US"/>
           </a:p>
@@ -4335,7 +4335,7 @@
           <a:p>
             <a:fld id="{DEA6EBF0-8E22-42A7-9BEA-2AC7066E6498}" type="datetimeFigureOut">
               <a:rPr lang="ko-KR" altLang="en-US" smtClean="0"/>
-              <a:t>2024-03-13</a:t>
+              <a:t>2024-08-14</a:t>
             </a:fld>
             <a:endParaRPr lang="ko-KR" altLang="en-US"/>
           </a:p>
@@ -4802,7 +4802,7 @@
           <a:p>
             <a:fld id="{DEA6EBF0-8E22-42A7-9BEA-2AC7066E6498}" type="datetimeFigureOut">
               <a:rPr lang="ko-KR" altLang="en-US" smtClean="0"/>
-              <a:t>2024-03-13</a:t>
+              <a:t>2024-08-14</a:t>
             </a:fld>
             <a:endParaRPr lang="ko-KR" altLang="en-US"/>
           </a:p>
@@ -5115,7 +5115,7 @@
           <a:p>
             <a:fld id="{DEA6EBF0-8E22-42A7-9BEA-2AC7066E6498}" type="datetimeFigureOut">
               <a:rPr lang="ko-KR" altLang="en-US" smtClean="0"/>
-              <a:t>2024-03-13</a:t>
+              <a:t>2024-08-14</a:t>
             </a:fld>
             <a:endParaRPr lang="ko-KR" altLang="en-US"/>
           </a:p>
@@ -5385,7 +5385,7 @@
           <a:p>
             <a:fld id="{DEA6EBF0-8E22-42A7-9BEA-2AC7066E6498}" type="datetimeFigureOut">
               <a:rPr lang="ko-KR" altLang="en-US" smtClean="0"/>
-              <a:t>2024-03-13</a:t>
+              <a:t>2024-08-14</a:t>
             </a:fld>
             <a:endParaRPr lang="ko-KR" altLang="en-US"/>
           </a:p>
@@ -6087,10 +6087,10 @@
       </p:cxnSp>
       <p:grpSp>
         <p:nvGrpSpPr>
-          <p:cNvPr id="10" name="그룹 9">
+          <p:cNvPr id="3" name="그룹 2">
             <a:extLst>
               <a:ext uri="{FF2B5EF4-FFF2-40B4-BE49-F238E27FC236}">
-                <a16:creationId xmlns:a16="http://schemas.microsoft.com/office/drawing/2014/main" id="{431E77CA-7604-D193-EF60-5A174C19760F}"/>
+                <a16:creationId xmlns:a16="http://schemas.microsoft.com/office/drawing/2014/main" id="{A1D073C3-841E-1468-EC56-2552CC64A85F}"/>
               </a:ext>
             </a:extLst>
           </p:cNvPr>
@@ -6423,23 +6423,16 @@
           <a:p>
             <a:pPr algn="ctr"/>
             <a:r>
+              <a:rPr lang="en-US" altLang="ko-KR" sz="1800"/>
+              <a:t>./</a:t>
+            </a:r>
+            <a:r>
               <a:rPr lang="en-US" altLang="ko-KR" sz="1800" dirty="0"/>
-              <a:t>../Sample</a:t>
-            </a:r>
-          </a:p>
-          <a:p>
-            <a:pPr algn="ctr"/>
-            <a:r>
-              <a:rPr lang="en-US" altLang="ko-KR" sz="1800"/>
-              <a:t>/Lib</a:t>
-            </a:r>
-            <a:r>
-              <a:rPr lang="en-US" altLang="ko-KR"/>
-              <a:t>/</a:t>
+              <a:t>Lib</a:t>
             </a:r>
             <a:r>
               <a:rPr lang="en-US" altLang="ko-KR" dirty="0"/>
-              <a:t>tester</a:t>
+              <a:t>/tester</a:t>
             </a:r>
           </a:p>
           <a:p>

--- a/DsDotNet/src/UnitTest/UnitTest.Model/ImportOfficeExample/ppt/T8_Safety.pptx
+++ b/DsDotNet/src/UnitTest/UnitTest.Model/ImportOfficeExample/ppt/T8_Safety.pptx
@@ -216,7 +216,7 @@
           <a:p>
             <a:fld id="{DD503887-5801-43A0-AEF9-041E8DDC2558}" type="datetimeFigureOut">
               <a:rPr lang="ko-KR" altLang="en-US" smtClean="0"/>
-              <a:t>2024-08-14</a:t>
+              <a:t>2024-10-26</a:t>
             </a:fld>
             <a:endParaRPr lang="ko-KR" altLang="en-US"/>
           </a:p>
@@ -393,7 +393,7 @@
           <a:p>
             <a:fld id="{95336A0E-57B1-4D4C-BD9B-2F72B5943464}" type="datetimeFigureOut">
               <a:rPr lang="ko-KR" altLang="en-US" smtClean="0"/>
-              <a:t>2024-08-14</a:t>
+              <a:t>2024-10-26</a:t>
             </a:fld>
             <a:endParaRPr lang="ko-KR" altLang="en-US"/>
           </a:p>
@@ -755,7 +755,7 @@
           <a:effectLst/>
           <a:extLst>
             <a:ext uri="{91240B29-F687-4f45-9708-019B960494DF}">
-              <a14:hiddenLine xmlns:a14="http://schemas.microsoft.com/office/drawing/2010/main" xmlns="" w="9525">
+              <a14:hiddenLine xmlns="" xmlns:a14="http://schemas.microsoft.com/office/drawing/2010/main" w="9525">
                 <a:solidFill>
                   <a:srgbClr val="000000"/>
                 </a:solidFill>
@@ -947,7 +947,7 @@
           <a:p>
             <a:fld id="{DEA6EBF0-8E22-42A7-9BEA-2AC7066E6498}" type="datetimeFigureOut">
               <a:rPr lang="ko-KR" altLang="en-US" smtClean="0"/>
-              <a:t>2024-08-14</a:t>
+              <a:t>2024-10-26</a:t>
             </a:fld>
             <a:endParaRPr lang="ko-KR" altLang="en-US"/>
           </a:p>
@@ -1265,7 +1265,7 @@
           <a:p>
             <a:fld id="{DEA6EBF0-8E22-42A7-9BEA-2AC7066E6498}" type="datetimeFigureOut">
               <a:rPr lang="ko-KR" altLang="en-US" smtClean="0"/>
-              <a:t>2024-08-14</a:t>
+              <a:t>2024-10-26</a:t>
             </a:fld>
             <a:endParaRPr lang="ko-KR" altLang="en-US"/>
           </a:p>
@@ -1753,7 +1753,7 @@
           <a:p>
             <a:fld id="{DEA6EBF0-8E22-42A7-9BEA-2AC7066E6498}" type="datetimeFigureOut">
               <a:rPr lang="ko-KR" altLang="en-US" smtClean="0"/>
-              <a:t>2024-08-14</a:t>
+              <a:t>2024-10-26</a:t>
             </a:fld>
             <a:endParaRPr lang="ko-KR" altLang="en-US"/>
           </a:p>
@@ -2122,7 +2122,7 @@
           <a:p>
             <a:fld id="{DEA6EBF0-8E22-42A7-9BEA-2AC7066E6498}" type="datetimeFigureOut">
               <a:rPr lang="ko-KR" altLang="en-US" smtClean="0"/>
-              <a:t>2024-08-14</a:t>
+              <a:t>2024-10-26</a:t>
             </a:fld>
             <a:endParaRPr lang="ko-KR" altLang="en-US"/>
           </a:p>
@@ -2277,7 +2277,7 @@
           <a:ln/>
           <a:extLst>
             <a:ext uri="{91240B29-F687-4f45-9708-019B960494DF}">
-              <a14:hiddenLine xmlns:a14="http://schemas.microsoft.com/office/drawing/2010/main" xmlns="" w="9525">
+              <a14:hiddenLine xmlns="" xmlns:a14="http://schemas.microsoft.com/office/drawing/2010/main" w="9525">
                 <a:solidFill>
                   <a:srgbClr val="000000"/>
                 </a:solidFill>
@@ -2395,7 +2395,7 @@
           <a:p>
             <a:fld id="{DEA6EBF0-8E22-42A7-9BEA-2AC7066E6498}" type="datetimeFigureOut">
               <a:rPr lang="ko-KR" altLang="en-US" smtClean="0"/>
-              <a:t>2024-08-14</a:t>
+              <a:t>2024-10-26</a:t>
             </a:fld>
             <a:endParaRPr lang="ko-KR" altLang="en-US"/>
           </a:p>
@@ -2552,7 +2552,7 @@
           <a:ln/>
           <a:extLst>
             <a:ext uri="{91240B29-F687-4f45-9708-019B960494DF}">
-              <a14:hiddenLine xmlns:a14="http://schemas.microsoft.com/office/drawing/2010/main" xmlns="" w="9525">
+              <a14:hiddenLine xmlns="" xmlns:a14="http://schemas.microsoft.com/office/drawing/2010/main" w="9525">
                 <a:solidFill>
                   <a:srgbClr val="000000"/>
                 </a:solidFill>
@@ -2680,7 +2680,7 @@
           <a:p>
             <a:fld id="{DEA6EBF0-8E22-42A7-9BEA-2AC7066E6498}" type="datetimeFigureOut">
               <a:rPr lang="ko-KR" altLang="en-US" smtClean="0"/>
-              <a:t>2024-08-14</a:t>
+              <a:t>2024-10-26</a:t>
             </a:fld>
             <a:endParaRPr lang="ko-KR" altLang="en-US"/>
           </a:p>
@@ -2798,7 +2798,7 @@
           <a:p>
             <a:fld id="{DEA6EBF0-8E22-42A7-9BEA-2AC7066E6498}" type="datetimeFigureOut">
               <a:rPr lang="ko-KR" altLang="en-US" smtClean="0"/>
-              <a:t>2024-08-14</a:t>
+              <a:t>2024-10-26</a:t>
             </a:fld>
             <a:endParaRPr lang="ko-KR" altLang="en-US"/>
           </a:p>
@@ -2953,7 +2953,7 @@
           <a:ln/>
           <a:extLst>
             <a:ext uri="{91240B29-F687-4f45-9708-019B960494DF}">
-              <a14:hiddenLine xmlns:a14="http://schemas.microsoft.com/office/drawing/2010/main" xmlns="" w="9525">
+              <a14:hiddenLine xmlns="" xmlns:a14="http://schemas.microsoft.com/office/drawing/2010/main" w="9525">
                 <a:solidFill>
                   <a:srgbClr val="000000"/>
                 </a:solidFill>
@@ -3081,7 +3081,7 @@
           <a:p>
             <a:fld id="{DEA6EBF0-8E22-42A7-9BEA-2AC7066E6498}" type="datetimeFigureOut">
               <a:rPr lang="ko-KR" altLang="en-US" smtClean="0"/>
-              <a:t>2024-08-14</a:t>
+              <a:t>2024-10-26</a:t>
             </a:fld>
             <a:endParaRPr lang="ko-KR" altLang="en-US"/>
           </a:p>
@@ -3424,7 +3424,7 @@
           <a:p>
             <a:fld id="{DEA6EBF0-8E22-42A7-9BEA-2AC7066E6498}" type="datetimeFigureOut">
               <a:rPr lang="ko-KR" altLang="en-US" smtClean="0"/>
-              <a:t>2024-08-14</a:t>
+              <a:t>2024-10-26</a:t>
             </a:fld>
             <a:endParaRPr lang="ko-KR" altLang="en-US"/>
           </a:p>
@@ -3579,7 +3579,7 @@
           <a:ln/>
           <a:extLst>
             <a:ext uri="{91240B29-F687-4f45-9708-019B960494DF}">
-              <a14:hiddenLine xmlns:a14="http://schemas.microsoft.com/office/drawing/2010/main" xmlns="" w="9525">
+              <a14:hiddenLine xmlns="" xmlns:a14="http://schemas.microsoft.com/office/drawing/2010/main" w="9525">
                 <a:solidFill>
                   <a:srgbClr val="000000"/>
                 </a:solidFill>
@@ -3763,7 +3763,7 @@
           <a:p>
             <a:fld id="{DEA6EBF0-8E22-42A7-9BEA-2AC7066E6498}" type="datetimeFigureOut">
               <a:rPr lang="ko-KR" altLang="en-US" smtClean="0"/>
-              <a:t>2024-08-14</a:t>
+              <a:t>2024-10-26</a:t>
             </a:fld>
             <a:endParaRPr lang="ko-KR" altLang="en-US"/>
           </a:p>
@@ -3918,7 +3918,7 @@
           <a:ln/>
           <a:extLst>
             <a:ext uri="{91240B29-F687-4f45-9708-019B960494DF}">
-              <a14:hiddenLine xmlns:a14="http://schemas.microsoft.com/office/drawing/2010/main" xmlns="" w="9525">
+              <a14:hiddenLine xmlns="" xmlns:a14="http://schemas.microsoft.com/office/drawing/2010/main" w="9525">
                 <a:solidFill>
                   <a:srgbClr val="000000"/>
                 </a:solidFill>
@@ -4240,7 +4240,7 @@
           <a:p>
             <a:fld id="{DEA6EBF0-8E22-42A7-9BEA-2AC7066E6498}" type="datetimeFigureOut">
               <a:rPr lang="ko-KR" altLang="en-US" smtClean="0"/>
-              <a:t>2024-08-14</a:t>
+              <a:t>2024-10-26</a:t>
             </a:fld>
             <a:endParaRPr lang="ko-KR" altLang="en-US"/>
           </a:p>
@@ -4335,7 +4335,7 @@
           <a:p>
             <a:fld id="{DEA6EBF0-8E22-42A7-9BEA-2AC7066E6498}" type="datetimeFigureOut">
               <a:rPr lang="ko-KR" altLang="en-US" smtClean="0"/>
-              <a:t>2024-08-14</a:t>
+              <a:t>2024-10-26</a:t>
             </a:fld>
             <a:endParaRPr lang="ko-KR" altLang="en-US"/>
           </a:p>
@@ -4603,7 +4603,7 @@
           <a:ln/>
           <a:extLst>
             <a:ext uri="{91240B29-F687-4f45-9708-019B960494DF}">
-              <a14:hiddenLine xmlns:a14="http://schemas.microsoft.com/office/drawing/2010/main" xmlns="" w="9525">
+              <a14:hiddenLine xmlns="" xmlns:a14="http://schemas.microsoft.com/office/drawing/2010/main" w="9525">
                 <a:solidFill>
                   <a:srgbClr val="000000"/>
                 </a:solidFill>
@@ -4802,7 +4802,7 @@
           <a:p>
             <a:fld id="{DEA6EBF0-8E22-42A7-9BEA-2AC7066E6498}" type="datetimeFigureOut">
               <a:rPr lang="ko-KR" altLang="en-US" smtClean="0"/>
-              <a:t>2024-08-14</a:t>
+              <a:t>2024-10-26</a:t>
             </a:fld>
             <a:endParaRPr lang="ko-KR" altLang="en-US"/>
           </a:p>
@@ -5115,7 +5115,7 @@
           <a:p>
             <a:fld id="{DEA6EBF0-8E22-42A7-9BEA-2AC7066E6498}" type="datetimeFigureOut">
               <a:rPr lang="ko-KR" altLang="en-US" smtClean="0"/>
-              <a:t>2024-08-14</a:t>
+              <a:t>2024-10-26</a:t>
             </a:fld>
             <a:endParaRPr lang="ko-KR" altLang="en-US"/>
           </a:p>
@@ -5385,7 +5385,7 @@
           <a:p>
             <a:fld id="{DEA6EBF0-8E22-42A7-9BEA-2AC7066E6498}" type="datetimeFigureOut">
               <a:rPr lang="ko-KR" altLang="en-US" smtClean="0"/>
-              <a:t>2024-08-14</a:t>
+              <a:t>2024-10-26</a:t>
             </a:fld>
             <a:endParaRPr lang="ko-KR" altLang="en-US"/>
           </a:p>
@@ -6087,10 +6087,10 @@
       </p:cxnSp>
       <p:grpSp>
         <p:nvGrpSpPr>
-          <p:cNvPr id="3" name="그룹 2">
+          <p:cNvPr id="15" name="그룹 14">
             <a:extLst>
               <a:ext uri="{FF2B5EF4-FFF2-40B4-BE49-F238E27FC236}">
-                <a16:creationId xmlns:a16="http://schemas.microsoft.com/office/drawing/2014/main" id="{A1D073C3-841E-1468-EC56-2552CC64A85F}"/>
+                <a16:creationId xmlns:a16="http://schemas.microsoft.com/office/drawing/2014/main" id="{A967AA94-7D07-5023-A651-380BF1D75B50}"/>
               </a:ext>
             </a:extLst>
           </p:cNvPr>
